--- a/Machine Learning Presentation.pptx
+++ b/Machine Learning Presentation.pptx
@@ -12,10 +12,12 @@
     <p:sldId id="264" r:id="rId6"/>
     <p:sldId id="260" r:id="rId7"/>
     <p:sldId id="265" r:id="rId8"/>
-    <p:sldId id="261" r:id="rId9"/>
-    <p:sldId id="266" r:id="rId10"/>
-    <p:sldId id="262" r:id="rId11"/>
-    <p:sldId id="263" r:id="rId12"/>
+    <p:sldId id="267" r:id="rId9"/>
+    <p:sldId id="261" r:id="rId10"/>
+    <p:sldId id="266" r:id="rId11"/>
+    <p:sldId id="269" r:id="rId12"/>
+    <p:sldId id="262" r:id="rId13"/>
+    <p:sldId id="263" r:id="rId14"/>
   </p:sldIdLst>
   <p:sldSz cx="12192000" cy="6858000"/>
   <p:notesSz cx="6858000" cy="9144000"/>
@@ -261,7 +263,7 @@
           <a:p>
             <a:fld id="{48A87A34-81AB-432B-8DAE-1953F412C126}" type="datetimeFigureOut">
               <a:rPr lang="en-US" dirty="0"/>
-              <a:t>1/25/21</a:t>
+              <a:t>1/25/2021</a:t>
             </a:fld>
             <a:endParaRPr lang="en-US" dirty="0"/>
           </a:p>
@@ -467,7 +469,7 @@
           <a:p>
             <a:fld id="{48A87A34-81AB-432B-8DAE-1953F412C126}" type="datetimeFigureOut">
               <a:rPr lang="en-US" dirty="0"/>
-              <a:t>1/25/21</a:t>
+              <a:t>1/25/2021</a:t>
             </a:fld>
             <a:endParaRPr lang="en-US" dirty="0"/>
           </a:p>
@@ -677,7 +679,7 @@
           <a:p>
             <a:fld id="{48A87A34-81AB-432B-8DAE-1953F412C126}" type="datetimeFigureOut">
               <a:rPr lang="en-US" dirty="0"/>
-              <a:t>1/25/21</a:t>
+              <a:t>1/25/2021</a:t>
             </a:fld>
             <a:endParaRPr lang="en-US" dirty="0"/>
           </a:p>
@@ -873,7 +875,7 @@
           <a:p>
             <a:fld id="{48A87A34-81AB-432B-8DAE-1953F412C126}" type="datetimeFigureOut">
               <a:rPr lang="en-US" dirty="0"/>
-              <a:t>1/25/21</a:t>
+              <a:t>1/25/2021</a:t>
             </a:fld>
             <a:endParaRPr lang="en-US" dirty="0"/>
           </a:p>
@@ -1147,7 +1149,7 @@
           <a:p>
             <a:fld id="{48A87A34-81AB-432B-8DAE-1953F412C126}" type="datetimeFigureOut">
               <a:rPr lang="en-US" dirty="0"/>
-              <a:t>1/25/21</a:t>
+              <a:t>1/25/2021</a:t>
             </a:fld>
             <a:endParaRPr lang="en-US" dirty="0"/>
           </a:p>
@@ -1410,7 +1412,7 @@
           <a:p>
             <a:fld id="{48A87A34-81AB-432B-8DAE-1953F412C126}" type="datetimeFigureOut">
               <a:rPr lang="en-US" dirty="0"/>
-              <a:t>1/25/21</a:t>
+              <a:t>1/25/2021</a:t>
             </a:fld>
             <a:endParaRPr lang="en-US" dirty="0"/>
           </a:p>
@@ -1821,7 +1823,7 @@
           <a:p>
             <a:fld id="{48A87A34-81AB-432B-8DAE-1953F412C126}" type="datetimeFigureOut">
               <a:rPr lang="en-US" dirty="0"/>
-              <a:t>1/25/21</a:t>
+              <a:t>1/25/2021</a:t>
             </a:fld>
             <a:endParaRPr lang="en-US" dirty="0"/>
           </a:p>
@@ -1965,7 +1967,7 @@
           <a:p>
             <a:fld id="{48A87A34-81AB-432B-8DAE-1953F412C126}" type="datetimeFigureOut">
               <a:rPr lang="en-US" dirty="0"/>
-              <a:t>1/25/21</a:t>
+              <a:t>1/25/2021</a:t>
             </a:fld>
             <a:endParaRPr lang="en-US" dirty="0"/>
           </a:p>
@@ -2086,7 +2088,7 @@
           <a:p>
             <a:fld id="{48A87A34-81AB-432B-8DAE-1953F412C126}" type="datetimeFigureOut">
               <a:rPr lang="en-US" dirty="0"/>
-              <a:t>1/25/21</a:t>
+              <a:t>1/25/2021</a:t>
             </a:fld>
             <a:endParaRPr lang="en-US" dirty="0"/>
           </a:p>
@@ -2332,7 +2334,7 @@
           <a:p>
             <a:fld id="{48A87A34-81AB-432B-8DAE-1953F412C126}" type="datetimeFigureOut">
               <a:rPr lang="en-US" dirty="0"/>
-              <a:t>1/25/21</a:t>
+              <a:t>1/25/2021</a:t>
             </a:fld>
             <a:endParaRPr lang="en-US" dirty="0"/>
           </a:p>
@@ -2773,7 +2775,7 @@
             <a:fld id="{48A87A34-81AB-432B-8DAE-1953F412C126}" type="datetimeFigureOut">
               <a:rPr lang="en-US" dirty="0"/>
               <a:pPr/>
-              <a:t>1/25/21</a:t>
+              <a:t>1/25/2021</a:t>
             </a:fld>
             <a:endParaRPr lang="en-US" dirty="0"/>
           </a:p>
@@ -3096,7 +3098,7 @@
             <a:fld id="{48A87A34-81AB-432B-8DAE-1953F412C126}" type="datetimeFigureOut">
               <a:rPr lang="en-US" dirty="0"/>
               <a:pPr/>
-              <a:t>1/25/21</a:t>
+              <a:t>1/25/2021</a:t>
             </a:fld>
             <a:endParaRPr lang="en-US" dirty="0"/>
           </a:p>
@@ -3775,6 +3777,4044 @@
           <p:cNvPr id="2" name="Title 1">
             <a:extLst>
               <a:ext uri="{FF2B5EF4-FFF2-40B4-BE49-F238E27FC236}">
+                <a16:creationId xmlns:a16="http://schemas.microsoft.com/office/drawing/2014/main" id="{F6CFABB5-1C6F-FE48-BF8D-7E6A2F71D722}"/>
+              </a:ext>
+            </a:extLst>
+          </p:cNvPr>
+          <p:cNvSpPr>
+            <a:spLocks noGrp="1"/>
+          </p:cNvSpPr>
+          <p:nvPr>
+            <p:ph type="title"/>
+          </p:nvPr>
+        </p:nvSpPr>
+        <p:spPr/>
+        <p:txBody>
+          <a:bodyPr/>
+          <a:lstStyle/>
+          <a:p>
+            <a:r>
+              <a:rPr lang="en-US" dirty="0"/>
+              <a:t>Evaluation Metrics: Classification Model</a:t>
+            </a:r>
+          </a:p>
+        </p:txBody>
+      </p:sp>
+      <p:graphicFrame>
+        <p:nvGraphicFramePr>
+          <p:cNvPr id="4" name="Table 4">
+            <a:extLst>
+              <a:ext uri="{FF2B5EF4-FFF2-40B4-BE49-F238E27FC236}">
+                <a16:creationId xmlns:a16="http://schemas.microsoft.com/office/drawing/2014/main" id="{F7A78018-4F19-4FC8-90D3-60D56F388AE9}"/>
+              </a:ext>
+            </a:extLst>
+          </p:cNvPr>
+          <p:cNvGraphicFramePr>
+            <a:graphicFrameLocks noGrp="1"/>
+          </p:cNvGraphicFramePr>
+          <p:nvPr>
+            <p:extLst>
+              <p:ext uri="{D42A27DB-BD31-4B8C-83A1-F6EECF244321}">
+                <p14:modId xmlns:p14="http://schemas.microsoft.com/office/powerpoint/2010/main" val="2039414813"/>
+              </p:ext>
+            </p:extLst>
+          </p:nvPr>
+        </p:nvGraphicFramePr>
+        <p:xfrm>
+          <a:off x="1855019" y="2036005"/>
+          <a:ext cx="8128002" cy="2966720"/>
+        </p:xfrm>
+        <a:graphic>
+          <a:graphicData uri="http://schemas.openxmlformats.org/drawingml/2006/table">
+            <a:tbl>
+              <a:tblPr firstRow="1" bandRow="1">
+                <a:tableStyleId>{5C22544A-7EE6-4342-B048-85BDC9FD1C3A}</a:tableStyleId>
+              </a:tblPr>
+              <a:tblGrid>
+                <a:gridCol w="1647071">
+                  <a:extLst>
+                    <a:ext uri="{9D8B030D-6E8A-4147-A177-3AD203B41FA5}">
+                      <a16:colId xmlns:a16="http://schemas.microsoft.com/office/drawing/2014/main" val="2377899406"/>
+                    </a:ext>
+                  </a:extLst>
+                </a:gridCol>
+                <a:gridCol w="1062263">
+                  <a:extLst>
+                    <a:ext uri="{9D8B030D-6E8A-4147-A177-3AD203B41FA5}">
+                      <a16:colId xmlns:a16="http://schemas.microsoft.com/office/drawing/2014/main" val="3233862682"/>
+                    </a:ext>
+                  </a:extLst>
+                </a:gridCol>
+                <a:gridCol w="1354667">
+                  <a:extLst>
+                    <a:ext uri="{9D8B030D-6E8A-4147-A177-3AD203B41FA5}">
+                      <a16:colId xmlns:a16="http://schemas.microsoft.com/office/drawing/2014/main" val="2324755042"/>
+                    </a:ext>
+                  </a:extLst>
+                </a:gridCol>
+                <a:gridCol w="1354667">
+                  <a:extLst>
+                    <a:ext uri="{9D8B030D-6E8A-4147-A177-3AD203B41FA5}">
+                      <a16:colId xmlns:a16="http://schemas.microsoft.com/office/drawing/2014/main" val="2710262570"/>
+                    </a:ext>
+                  </a:extLst>
+                </a:gridCol>
+                <a:gridCol w="1354667">
+                  <a:extLst>
+                    <a:ext uri="{9D8B030D-6E8A-4147-A177-3AD203B41FA5}">
+                      <a16:colId xmlns:a16="http://schemas.microsoft.com/office/drawing/2014/main" val="4127503388"/>
+                    </a:ext>
+                  </a:extLst>
+                </a:gridCol>
+                <a:gridCol w="1354667">
+                  <a:extLst>
+                    <a:ext uri="{9D8B030D-6E8A-4147-A177-3AD203B41FA5}">
+                      <a16:colId xmlns:a16="http://schemas.microsoft.com/office/drawing/2014/main" val="3353565807"/>
+                    </a:ext>
+                  </a:extLst>
+                </a:gridCol>
+              </a:tblGrid>
+              <a:tr h="370840">
+                <a:tc>
+                  <a:txBody>
+                    <a:bodyPr/>
+                    <a:lstStyle/>
+                    <a:p>
+                      <a:endParaRPr lang="en-US" dirty="0"/>
+                    </a:p>
+                  </a:txBody>
+                  <a:tcPr>
+                    <a:lnL w="12700" cmpd="sng">
+                      <a:noFill/>
+                    </a:lnL>
+                    <a:lnR w="12700" cmpd="sng">
+                      <a:noFill/>
+                    </a:lnR>
+                    <a:lnT w="12700" cmpd="sng">
+                      <a:noFill/>
+                    </a:lnT>
+                    <a:lnB w="12700" cap="flat" cmpd="sng" algn="ctr">
+                      <a:noFill/>
+                      <a:prstDash val="solid"/>
+                      <a:round/>
+                      <a:headEnd type="none" w="med" len="med"/>
+                      <a:tailEnd type="none" w="med" len="med"/>
+                    </a:lnB>
+                    <a:lnTlToBr w="12700" cmpd="sng">
+                      <a:noFill/>
+                      <a:prstDash val="solid"/>
+                    </a:lnTlToBr>
+                    <a:lnBlToTr w="12700" cmpd="sng">
+                      <a:noFill/>
+                      <a:prstDash val="solid"/>
+                    </a:lnBlToTr>
+                    <a:noFill/>
+                  </a:tcPr>
+                </a:tc>
+                <a:tc>
+                  <a:txBody>
+                    <a:bodyPr/>
+                    <a:lstStyle/>
+                    <a:p>
+                      <a:pPr algn="ctr"/>
+                      <a:r>
+                        <a:rPr lang="en-US" dirty="0">
+                          <a:solidFill>
+                            <a:schemeClr val="tx1"/>
+                          </a:solidFill>
+                        </a:rPr>
+                        <a:t>CAC</a:t>
+                      </a:r>
+                      <a:endParaRPr lang="en-US" dirty="0"/>
+                    </a:p>
+                  </a:txBody>
+                  <a:tcPr>
+                    <a:lnL w="12700" cmpd="sng">
+                      <a:noFill/>
+                    </a:lnL>
+                    <a:lnR w="12700" cmpd="sng">
+                      <a:noFill/>
+                    </a:lnR>
+                    <a:lnT w="12700" cmpd="sng">
+                      <a:noFill/>
+                    </a:lnT>
+                    <a:lnB w="38100" cmpd="sng">
+                      <a:noFill/>
+                    </a:lnB>
+                    <a:lnTlToBr w="12700" cmpd="sng">
+                      <a:noFill/>
+                      <a:prstDash val="solid"/>
+                    </a:lnTlToBr>
+                    <a:lnBlToTr w="12700" cmpd="sng">
+                      <a:noFill/>
+                      <a:prstDash val="solid"/>
+                    </a:lnBlToTr>
+                    <a:solidFill>
+                      <a:schemeClr val="bg1"/>
+                    </a:solidFill>
+                  </a:tcPr>
+                </a:tc>
+                <a:tc>
+                  <a:txBody>
+                    <a:bodyPr/>
+                    <a:lstStyle/>
+                    <a:p>
+                      <a:pPr algn="ctr"/>
+                      <a:r>
+                        <a:rPr lang="en-US" dirty="0">
+                          <a:solidFill>
+                            <a:schemeClr val="tx1"/>
+                          </a:solidFill>
+                        </a:rPr>
+                        <a:t>FTSE</a:t>
+                      </a:r>
+                    </a:p>
+                  </a:txBody>
+                  <a:tcPr>
+                    <a:lnL w="12700" cmpd="sng">
+                      <a:noFill/>
+                    </a:lnL>
+                    <a:lnR w="12700" cmpd="sng">
+                      <a:noFill/>
+                    </a:lnR>
+                    <a:lnT w="12700" cmpd="sng">
+                      <a:noFill/>
+                    </a:lnT>
+                    <a:lnB w="38100" cmpd="sng">
+                      <a:noFill/>
+                    </a:lnB>
+                    <a:lnTlToBr w="12700" cmpd="sng">
+                      <a:noFill/>
+                      <a:prstDash val="solid"/>
+                    </a:lnTlToBr>
+                    <a:lnBlToTr w="12700" cmpd="sng">
+                      <a:noFill/>
+                      <a:prstDash val="solid"/>
+                    </a:lnBlToTr>
+                    <a:solidFill>
+                      <a:schemeClr val="bg1"/>
+                    </a:solidFill>
+                  </a:tcPr>
+                </a:tc>
+                <a:tc>
+                  <a:txBody>
+                    <a:bodyPr/>
+                    <a:lstStyle/>
+                    <a:p>
+                      <a:pPr algn="ctr"/>
+                      <a:r>
+                        <a:rPr lang="en-US" dirty="0">
+                          <a:solidFill>
+                            <a:schemeClr val="tx1"/>
+                          </a:solidFill>
+                        </a:rPr>
+                        <a:t>MDAX</a:t>
+                      </a:r>
+                    </a:p>
+                  </a:txBody>
+                  <a:tcPr>
+                    <a:lnL w="12700" cmpd="sng">
+                      <a:noFill/>
+                    </a:lnL>
+                    <a:lnR w="12700" cmpd="sng">
+                      <a:noFill/>
+                    </a:lnR>
+                    <a:lnT w="12700" cmpd="sng">
+                      <a:noFill/>
+                    </a:lnT>
+                    <a:lnB w="38100" cmpd="sng">
+                      <a:noFill/>
+                    </a:lnB>
+                    <a:lnTlToBr w="12700" cmpd="sng">
+                      <a:noFill/>
+                      <a:prstDash val="solid"/>
+                    </a:lnTlToBr>
+                    <a:lnBlToTr w="12700" cmpd="sng">
+                      <a:noFill/>
+                      <a:prstDash val="solid"/>
+                    </a:lnBlToTr>
+                    <a:solidFill>
+                      <a:schemeClr val="bg1"/>
+                    </a:solidFill>
+                  </a:tcPr>
+                </a:tc>
+                <a:tc>
+                  <a:txBody>
+                    <a:bodyPr/>
+                    <a:lstStyle/>
+                    <a:p>
+                      <a:pPr algn="ctr"/>
+                      <a:r>
+                        <a:rPr lang="en-US" dirty="0">
+                          <a:solidFill>
+                            <a:schemeClr val="tx1"/>
+                          </a:solidFill>
+                        </a:rPr>
+                        <a:t>S&amp;P 500</a:t>
+                      </a:r>
+                    </a:p>
+                  </a:txBody>
+                  <a:tcPr>
+                    <a:lnL w="12700" cmpd="sng">
+                      <a:noFill/>
+                    </a:lnL>
+                    <a:lnR w="12700" cmpd="sng">
+                      <a:noFill/>
+                    </a:lnR>
+                    <a:lnT w="12700" cmpd="sng">
+                      <a:noFill/>
+                    </a:lnT>
+                    <a:lnB w="38100" cmpd="sng">
+                      <a:noFill/>
+                    </a:lnB>
+                    <a:lnTlToBr w="12700" cmpd="sng">
+                      <a:noFill/>
+                      <a:prstDash val="solid"/>
+                    </a:lnTlToBr>
+                    <a:lnBlToTr w="12700" cmpd="sng">
+                      <a:noFill/>
+                      <a:prstDash val="solid"/>
+                    </a:lnBlToTr>
+                    <a:solidFill>
+                      <a:schemeClr val="bg1"/>
+                    </a:solidFill>
+                  </a:tcPr>
+                </a:tc>
+                <a:tc>
+                  <a:txBody>
+                    <a:bodyPr/>
+                    <a:lstStyle/>
+                    <a:p>
+                      <a:pPr algn="ctr"/>
+                      <a:r>
+                        <a:rPr lang="en-US" dirty="0">
+                          <a:solidFill>
+                            <a:schemeClr val="tx1"/>
+                          </a:solidFill>
+                        </a:rPr>
+                        <a:t>TOPIX</a:t>
+                      </a:r>
+                    </a:p>
+                  </a:txBody>
+                  <a:tcPr>
+                    <a:lnL w="12700" cmpd="sng">
+                      <a:noFill/>
+                    </a:lnL>
+                    <a:lnR w="12700" cmpd="sng">
+                      <a:noFill/>
+                    </a:lnR>
+                    <a:lnT w="12700" cmpd="sng">
+                      <a:noFill/>
+                    </a:lnT>
+                    <a:lnB w="38100" cmpd="sng">
+                      <a:noFill/>
+                    </a:lnB>
+                    <a:lnTlToBr w="12700" cmpd="sng">
+                      <a:noFill/>
+                      <a:prstDash val="solid"/>
+                    </a:lnTlToBr>
+                    <a:lnBlToTr w="12700" cmpd="sng">
+                      <a:noFill/>
+                      <a:prstDash val="solid"/>
+                    </a:lnBlToTr>
+                    <a:solidFill>
+                      <a:schemeClr val="bg1"/>
+                    </a:solidFill>
+                  </a:tcPr>
+                </a:tc>
+                <a:extLst>
+                  <a:ext uri="{0D108BD9-81ED-4DB2-BD59-A6C34878D82A}">
+                    <a16:rowId xmlns:a16="http://schemas.microsoft.com/office/drawing/2014/main" val="1706773216"/>
+                  </a:ext>
+                </a:extLst>
+              </a:tr>
+              <a:tr h="370840">
+                <a:tc>
+                  <a:txBody>
+                    <a:bodyPr/>
+                    <a:lstStyle/>
+                    <a:p>
+                      <a:pPr algn="r"/>
+                      <a:r>
+                        <a:rPr lang="en-US" dirty="0"/>
+                        <a:t>Accuracy</a:t>
+                      </a:r>
+                    </a:p>
+                  </a:txBody>
+                  <a:tcPr>
+                    <a:lnL w="12700" cap="flat" cmpd="sng" algn="ctr">
+                      <a:noFill/>
+                      <a:prstDash val="solid"/>
+                      <a:round/>
+                      <a:headEnd type="none" w="med" len="med"/>
+                      <a:tailEnd type="none" w="med" len="med"/>
+                    </a:lnL>
+                    <a:lnR w="12700" cap="flat" cmpd="sng" algn="ctr">
+                      <a:noFill/>
+                      <a:prstDash val="solid"/>
+                      <a:round/>
+                      <a:headEnd type="none" w="med" len="med"/>
+                      <a:tailEnd type="none" w="med" len="med"/>
+                    </a:lnR>
+                    <a:lnT w="12700" cap="flat" cmpd="sng" algn="ctr">
+                      <a:noFill/>
+                      <a:prstDash val="solid"/>
+                      <a:round/>
+                      <a:headEnd type="none" w="med" len="med"/>
+                      <a:tailEnd type="none" w="med" len="med"/>
+                    </a:lnT>
+                    <a:lnB w="12700" cap="flat" cmpd="sng" algn="ctr">
+                      <a:noFill/>
+                      <a:prstDash val="solid"/>
+                      <a:round/>
+                      <a:headEnd type="none" w="med" len="med"/>
+                      <a:tailEnd type="none" w="med" len="med"/>
+                    </a:lnB>
+                    <a:lnTlToBr w="12700" cmpd="sng">
+                      <a:noFill/>
+                      <a:prstDash val="solid"/>
+                    </a:lnTlToBr>
+                    <a:lnBlToTr w="12700" cmpd="sng">
+                      <a:noFill/>
+                      <a:prstDash val="solid"/>
+                    </a:lnBlToTr>
+                    <a:solidFill>
+                      <a:schemeClr val="bg1"/>
+                    </a:solidFill>
+                  </a:tcPr>
+                </a:tc>
+                <a:tc>
+                  <a:txBody>
+                    <a:bodyPr/>
+                    <a:lstStyle/>
+                    <a:p>
+                      <a:pPr algn="r"/>
+                      <a:r>
+                        <a:rPr lang="en-US" dirty="0"/>
+                        <a:t>0.53</a:t>
+                      </a:r>
+                    </a:p>
+                  </a:txBody>
+                  <a:tcPr>
+                    <a:lnL w="12700" cap="flat" cmpd="sng" algn="ctr">
+                      <a:noFill/>
+                      <a:prstDash val="solid"/>
+                      <a:round/>
+                      <a:headEnd type="none" w="med" len="med"/>
+                      <a:tailEnd type="none" w="med" len="med"/>
+                    </a:lnL>
+                    <a:lnR w="12700" cmpd="sng">
+                      <a:noFill/>
+                    </a:lnR>
+                    <a:lnT w="38100" cmpd="sng">
+                      <a:noFill/>
+                    </a:lnT>
+                    <a:lnB w="12700" cmpd="sng">
+                      <a:noFill/>
+                    </a:lnB>
+                    <a:lnTlToBr w="12700" cmpd="sng">
+                      <a:noFill/>
+                      <a:prstDash val="solid"/>
+                    </a:lnTlToBr>
+                    <a:lnBlToTr w="12700" cmpd="sng">
+                      <a:noFill/>
+                      <a:prstDash val="solid"/>
+                    </a:lnBlToTr>
+                    <a:solidFill>
+                      <a:schemeClr val="accent6">
+                        <a:lumMod val="20000"/>
+                        <a:lumOff val="80000"/>
+                      </a:schemeClr>
+                    </a:solidFill>
+                  </a:tcPr>
+                </a:tc>
+                <a:tc>
+                  <a:txBody>
+                    <a:bodyPr/>
+                    <a:lstStyle/>
+                    <a:p>
+                      <a:pPr algn="r"/>
+                      <a:r>
+                        <a:rPr lang="en-US" dirty="0"/>
+                        <a:t>0.43</a:t>
+                      </a:r>
+                    </a:p>
+                  </a:txBody>
+                  <a:tcPr>
+                    <a:lnL w="12700" cmpd="sng">
+                      <a:noFill/>
+                    </a:lnL>
+                    <a:lnR w="12700" cmpd="sng">
+                      <a:noFill/>
+                    </a:lnR>
+                    <a:lnT w="38100" cmpd="sng">
+                      <a:noFill/>
+                    </a:lnT>
+                    <a:lnB w="12700" cmpd="sng">
+                      <a:noFill/>
+                    </a:lnB>
+                    <a:lnTlToBr w="12700" cmpd="sng">
+                      <a:noFill/>
+                      <a:prstDash val="solid"/>
+                    </a:lnTlToBr>
+                    <a:lnBlToTr w="12700" cmpd="sng">
+                      <a:noFill/>
+                      <a:prstDash val="solid"/>
+                    </a:lnBlToTr>
+                    <a:solidFill>
+                      <a:schemeClr val="accent6">
+                        <a:lumMod val="20000"/>
+                        <a:lumOff val="80000"/>
+                      </a:schemeClr>
+                    </a:solidFill>
+                  </a:tcPr>
+                </a:tc>
+                <a:tc>
+                  <a:txBody>
+                    <a:bodyPr/>
+                    <a:lstStyle/>
+                    <a:p>
+                      <a:pPr algn="r"/>
+                      <a:r>
+                        <a:rPr lang="en-US" dirty="0"/>
+                        <a:t>0.48</a:t>
+                      </a:r>
+                    </a:p>
+                  </a:txBody>
+                  <a:tcPr>
+                    <a:lnL w="12700" cmpd="sng">
+                      <a:noFill/>
+                    </a:lnL>
+                    <a:lnR w="12700" cmpd="sng">
+                      <a:noFill/>
+                    </a:lnR>
+                    <a:lnT w="38100" cmpd="sng">
+                      <a:noFill/>
+                    </a:lnT>
+                    <a:lnB w="12700" cmpd="sng">
+                      <a:noFill/>
+                    </a:lnB>
+                    <a:lnTlToBr w="12700" cmpd="sng">
+                      <a:noFill/>
+                      <a:prstDash val="solid"/>
+                    </a:lnTlToBr>
+                    <a:lnBlToTr w="12700" cmpd="sng">
+                      <a:noFill/>
+                      <a:prstDash val="solid"/>
+                    </a:lnBlToTr>
+                    <a:solidFill>
+                      <a:schemeClr val="accent6">
+                        <a:lumMod val="20000"/>
+                        <a:lumOff val="80000"/>
+                      </a:schemeClr>
+                    </a:solidFill>
+                  </a:tcPr>
+                </a:tc>
+                <a:tc>
+                  <a:txBody>
+                    <a:bodyPr/>
+                    <a:lstStyle/>
+                    <a:p>
+                      <a:pPr algn="r"/>
+                      <a:r>
+                        <a:rPr lang="en-US" dirty="0"/>
+                        <a:t>0.53</a:t>
+                      </a:r>
+                    </a:p>
+                  </a:txBody>
+                  <a:tcPr>
+                    <a:lnL w="12700" cmpd="sng">
+                      <a:noFill/>
+                    </a:lnL>
+                    <a:lnR w="12700" cmpd="sng">
+                      <a:noFill/>
+                    </a:lnR>
+                    <a:lnT w="38100" cmpd="sng">
+                      <a:noFill/>
+                    </a:lnT>
+                    <a:lnB w="12700" cmpd="sng">
+                      <a:noFill/>
+                    </a:lnB>
+                    <a:lnTlToBr w="12700" cmpd="sng">
+                      <a:noFill/>
+                      <a:prstDash val="solid"/>
+                    </a:lnTlToBr>
+                    <a:lnBlToTr w="12700" cmpd="sng">
+                      <a:noFill/>
+                      <a:prstDash val="solid"/>
+                    </a:lnBlToTr>
+                    <a:solidFill>
+                      <a:schemeClr val="accent6">
+                        <a:lumMod val="20000"/>
+                        <a:lumOff val="80000"/>
+                      </a:schemeClr>
+                    </a:solidFill>
+                  </a:tcPr>
+                </a:tc>
+                <a:tc>
+                  <a:txBody>
+                    <a:bodyPr/>
+                    <a:lstStyle/>
+                    <a:p>
+                      <a:pPr algn="r"/>
+                      <a:r>
+                        <a:rPr lang="en-US" dirty="0"/>
+                        <a:t>0.45</a:t>
+                      </a:r>
+                    </a:p>
+                  </a:txBody>
+                  <a:tcPr>
+                    <a:lnL w="12700" cmpd="sng">
+                      <a:noFill/>
+                    </a:lnL>
+                    <a:lnR w="12700" cmpd="sng">
+                      <a:noFill/>
+                    </a:lnR>
+                    <a:lnT w="38100" cmpd="sng">
+                      <a:noFill/>
+                    </a:lnT>
+                    <a:lnB w="12700" cmpd="sng">
+                      <a:noFill/>
+                    </a:lnB>
+                    <a:lnTlToBr w="12700" cmpd="sng">
+                      <a:noFill/>
+                      <a:prstDash val="solid"/>
+                    </a:lnTlToBr>
+                    <a:lnBlToTr w="12700" cmpd="sng">
+                      <a:noFill/>
+                      <a:prstDash val="solid"/>
+                    </a:lnBlToTr>
+                    <a:solidFill>
+                      <a:schemeClr val="accent6">
+                        <a:lumMod val="20000"/>
+                        <a:lumOff val="80000"/>
+                      </a:schemeClr>
+                    </a:solidFill>
+                  </a:tcPr>
+                </a:tc>
+                <a:extLst>
+                  <a:ext uri="{0D108BD9-81ED-4DB2-BD59-A6C34878D82A}">
+                    <a16:rowId xmlns:a16="http://schemas.microsoft.com/office/drawing/2014/main" val="2051532277"/>
+                  </a:ext>
+                </a:extLst>
+              </a:tr>
+              <a:tr h="370840">
+                <a:tc>
+                  <a:txBody>
+                    <a:bodyPr/>
+                    <a:lstStyle/>
+                    <a:p>
+                      <a:pPr algn="r"/>
+                      <a:r>
+                        <a:rPr lang="en-US" dirty="0"/>
+                        <a:t>Precision</a:t>
+                      </a:r>
+                    </a:p>
+                  </a:txBody>
+                  <a:tcPr>
+                    <a:lnL w="12700" cmpd="sng">
+                      <a:noFill/>
+                    </a:lnL>
+                    <a:lnR w="12700" cmpd="sng">
+                      <a:noFill/>
+                    </a:lnR>
+                    <a:lnT w="12700" cap="flat" cmpd="sng" algn="ctr">
+                      <a:noFill/>
+                      <a:prstDash val="solid"/>
+                      <a:round/>
+                      <a:headEnd type="none" w="med" len="med"/>
+                      <a:tailEnd type="none" w="med" len="med"/>
+                    </a:lnT>
+                    <a:lnB w="12700" cmpd="sng">
+                      <a:noFill/>
+                    </a:lnB>
+                    <a:lnTlToBr w="12700" cmpd="sng">
+                      <a:noFill/>
+                      <a:prstDash val="solid"/>
+                    </a:lnTlToBr>
+                    <a:lnBlToTr w="12700" cmpd="sng">
+                      <a:noFill/>
+                      <a:prstDash val="solid"/>
+                    </a:lnBlToTr>
+                    <a:solidFill>
+                      <a:schemeClr val="bg1"/>
+                    </a:solidFill>
+                  </a:tcPr>
+                </a:tc>
+                <a:tc>
+                  <a:txBody>
+                    <a:bodyPr/>
+                    <a:lstStyle/>
+                    <a:p>
+                      <a:pPr algn="r"/>
+                      <a:r>
+                        <a:rPr lang="en-US" dirty="0"/>
+                        <a:t>0.55</a:t>
+                      </a:r>
+                    </a:p>
+                  </a:txBody>
+                  <a:tcPr>
+                    <a:lnL w="12700" cmpd="sng">
+                      <a:noFill/>
+                    </a:lnL>
+                    <a:lnR w="12700" cmpd="sng">
+                      <a:noFill/>
+                    </a:lnR>
+                    <a:lnT w="12700" cmpd="sng">
+                      <a:noFill/>
+                    </a:lnT>
+                    <a:lnB w="12700" cmpd="sng">
+                      <a:noFill/>
+                    </a:lnB>
+                    <a:lnTlToBr w="12700" cmpd="sng">
+                      <a:noFill/>
+                      <a:prstDash val="solid"/>
+                    </a:lnTlToBr>
+                    <a:lnBlToTr w="12700" cmpd="sng">
+                      <a:noFill/>
+                      <a:prstDash val="solid"/>
+                    </a:lnBlToTr>
+                    <a:solidFill>
+                      <a:schemeClr val="accent6">
+                        <a:lumMod val="20000"/>
+                        <a:lumOff val="80000"/>
+                      </a:schemeClr>
+                    </a:solidFill>
+                  </a:tcPr>
+                </a:tc>
+                <a:tc>
+                  <a:txBody>
+                    <a:bodyPr/>
+                    <a:lstStyle/>
+                    <a:p>
+                      <a:pPr algn="r"/>
+                      <a:r>
+                        <a:rPr lang="en-US" dirty="0"/>
+                        <a:t>0.44</a:t>
+                      </a:r>
+                    </a:p>
+                  </a:txBody>
+                  <a:tcPr>
+                    <a:lnL w="12700" cmpd="sng">
+                      <a:noFill/>
+                    </a:lnL>
+                    <a:lnR w="12700" cmpd="sng">
+                      <a:noFill/>
+                    </a:lnR>
+                    <a:lnT w="12700" cmpd="sng">
+                      <a:noFill/>
+                    </a:lnT>
+                    <a:lnB w="12700" cmpd="sng">
+                      <a:noFill/>
+                    </a:lnB>
+                    <a:lnTlToBr w="12700" cmpd="sng">
+                      <a:noFill/>
+                      <a:prstDash val="solid"/>
+                    </a:lnTlToBr>
+                    <a:lnBlToTr w="12700" cmpd="sng">
+                      <a:noFill/>
+                      <a:prstDash val="solid"/>
+                    </a:lnBlToTr>
+                    <a:solidFill>
+                      <a:schemeClr val="accent6">
+                        <a:lumMod val="20000"/>
+                        <a:lumOff val="80000"/>
+                      </a:schemeClr>
+                    </a:solidFill>
+                  </a:tcPr>
+                </a:tc>
+                <a:tc>
+                  <a:txBody>
+                    <a:bodyPr/>
+                    <a:lstStyle/>
+                    <a:p>
+                      <a:pPr algn="r"/>
+                      <a:r>
+                        <a:rPr lang="en-US" dirty="0"/>
+                        <a:t>0.50</a:t>
+                      </a:r>
+                    </a:p>
+                  </a:txBody>
+                  <a:tcPr>
+                    <a:lnL w="12700" cmpd="sng">
+                      <a:noFill/>
+                    </a:lnL>
+                    <a:lnR w="12700" cmpd="sng">
+                      <a:noFill/>
+                    </a:lnR>
+                    <a:lnT w="12700" cmpd="sng">
+                      <a:noFill/>
+                    </a:lnT>
+                    <a:lnB w="12700" cmpd="sng">
+                      <a:noFill/>
+                    </a:lnB>
+                    <a:lnTlToBr w="12700" cmpd="sng">
+                      <a:noFill/>
+                      <a:prstDash val="solid"/>
+                    </a:lnTlToBr>
+                    <a:lnBlToTr w="12700" cmpd="sng">
+                      <a:noFill/>
+                      <a:prstDash val="solid"/>
+                    </a:lnBlToTr>
+                    <a:solidFill>
+                      <a:schemeClr val="accent6">
+                        <a:lumMod val="20000"/>
+                        <a:lumOff val="80000"/>
+                      </a:schemeClr>
+                    </a:solidFill>
+                  </a:tcPr>
+                </a:tc>
+                <a:tc>
+                  <a:txBody>
+                    <a:bodyPr/>
+                    <a:lstStyle/>
+                    <a:p>
+                      <a:pPr algn="r"/>
+                      <a:r>
+                        <a:rPr lang="en-US" dirty="0"/>
+                        <a:t>0.55</a:t>
+                      </a:r>
+                    </a:p>
+                  </a:txBody>
+                  <a:tcPr>
+                    <a:lnL w="12700" cmpd="sng">
+                      <a:noFill/>
+                    </a:lnL>
+                    <a:lnR w="12700" cmpd="sng">
+                      <a:noFill/>
+                    </a:lnR>
+                    <a:lnT w="12700" cmpd="sng">
+                      <a:noFill/>
+                    </a:lnT>
+                    <a:lnB w="12700" cmpd="sng">
+                      <a:noFill/>
+                    </a:lnB>
+                    <a:lnTlToBr w="12700" cmpd="sng">
+                      <a:noFill/>
+                      <a:prstDash val="solid"/>
+                    </a:lnTlToBr>
+                    <a:lnBlToTr w="12700" cmpd="sng">
+                      <a:noFill/>
+                      <a:prstDash val="solid"/>
+                    </a:lnBlToTr>
+                    <a:solidFill>
+                      <a:schemeClr val="accent6">
+                        <a:lumMod val="20000"/>
+                        <a:lumOff val="80000"/>
+                      </a:schemeClr>
+                    </a:solidFill>
+                  </a:tcPr>
+                </a:tc>
+                <a:tc>
+                  <a:txBody>
+                    <a:bodyPr/>
+                    <a:lstStyle/>
+                    <a:p>
+                      <a:pPr algn="r"/>
+                      <a:r>
+                        <a:rPr lang="en-US" dirty="0"/>
+                        <a:t>0.45</a:t>
+                      </a:r>
+                    </a:p>
+                  </a:txBody>
+                  <a:tcPr>
+                    <a:lnL w="12700" cmpd="sng">
+                      <a:noFill/>
+                    </a:lnL>
+                    <a:lnR w="12700" cmpd="sng">
+                      <a:noFill/>
+                    </a:lnR>
+                    <a:lnT w="12700" cmpd="sng">
+                      <a:noFill/>
+                    </a:lnT>
+                    <a:lnB w="12700" cmpd="sng">
+                      <a:noFill/>
+                    </a:lnB>
+                    <a:lnTlToBr w="12700" cmpd="sng">
+                      <a:noFill/>
+                      <a:prstDash val="solid"/>
+                    </a:lnTlToBr>
+                    <a:lnBlToTr w="12700" cmpd="sng">
+                      <a:noFill/>
+                      <a:prstDash val="solid"/>
+                    </a:lnBlToTr>
+                    <a:solidFill>
+                      <a:schemeClr val="accent6">
+                        <a:lumMod val="20000"/>
+                        <a:lumOff val="80000"/>
+                      </a:schemeClr>
+                    </a:solidFill>
+                  </a:tcPr>
+                </a:tc>
+                <a:extLst>
+                  <a:ext uri="{0D108BD9-81ED-4DB2-BD59-A6C34878D82A}">
+                    <a16:rowId xmlns:a16="http://schemas.microsoft.com/office/drawing/2014/main" val="4022879242"/>
+                  </a:ext>
+                </a:extLst>
+              </a:tr>
+              <a:tr h="370840">
+                <a:tc>
+                  <a:txBody>
+                    <a:bodyPr/>
+                    <a:lstStyle/>
+                    <a:p>
+                      <a:pPr algn="r"/>
+                      <a:r>
+                        <a:rPr lang="en-US" dirty="0"/>
+                        <a:t>Recall</a:t>
+                      </a:r>
+                    </a:p>
+                  </a:txBody>
+                  <a:tcPr>
+                    <a:lnL w="12700" cmpd="sng">
+                      <a:noFill/>
+                    </a:lnL>
+                    <a:lnR w="12700" cmpd="sng">
+                      <a:noFill/>
+                    </a:lnR>
+                    <a:lnT w="12700" cmpd="sng">
+                      <a:noFill/>
+                    </a:lnT>
+                    <a:lnB w="12700" cmpd="sng">
+                      <a:noFill/>
+                    </a:lnB>
+                    <a:lnTlToBr w="12700" cmpd="sng">
+                      <a:noFill/>
+                      <a:prstDash val="solid"/>
+                    </a:lnTlToBr>
+                    <a:lnBlToTr w="12700" cmpd="sng">
+                      <a:noFill/>
+                      <a:prstDash val="solid"/>
+                    </a:lnBlToTr>
+                    <a:solidFill>
+                      <a:schemeClr val="bg1"/>
+                    </a:solidFill>
+                  </a:tcPr>
+                </a:tc>
+                <a:tc>
+                  <a:txBody>
+                    <a:bodyPr/>
+                    <a:lstStyle/>
+                    <a:p>
+                      <a:pPr algn="r"/>
+                      <a:r>
+                        <a:rPr lang="en-US" dirty="0"/>
+                        <a:t>0.52</a:t>
+                      </a:r>
+                    </a:p>
+                  </a:txBody>
+                  <a:tcPr>
+                    <a:lnL w="12700" cmpd="sng">
+                      <a:noFill/>
+                    </a:lnL>
+                    <a:lnR w="12700" cmpd="sng">
+                      <a:noFill/>
+                    </a:lnR>
+                    <a:lnT w="12700" cmpd="sng">
+                      <a:noFill/>
+                    </a:lnT>
+                    <a:lnB w="12700" cmpd="sng">
+                      <a:noFill/>
+                    </a:lnB>
+                    <a:lnTlToBr w="12700" cmpd="sng">
+                      <a:noFill/>
+                      <a:prstDash val="solid"/>
+                    </a:lnTlToBr>
+                    <a:lnBlToTr w="12700" cmpd="sng">
+                      <a:noFill/>
+                      <a:prstDash val="solid"/>
+                    </a:lnBlToTr>
+                    <a:solidFill>
+                      <a:schemeClr val="accent6">
+                        <a:lumMod val="20000"/>
+                        <a:lumOff val="80000"/>
+                      </a:schemeClr>
+                    </a:solidFill>
+                  </a:tcPr>
+                </a:tc>
+                <a:tc>
+                  <a:txBody>
+                    <a:bodyPr/>
+                    <a:lstStyle/>
+                    <a:p>
+                      <a:pPr algn="r"/>
+                      <a:r>
+                        <a:rPr lang="en-US" dirty="0"/>
+                        <a:t>0.43</a:t>
+                      </a:r>
+                    </a:p>
+                  </a:txBody>
+                  <a:tcPr>
+                    <a:lnL w="12700" cmpd="sng">
+                      <a:noFill/>
+                    </a:lnL>
+                    <a:lnR w="12700" cmpd="sng">
+                      <a:noFill/>
+                    </a:lnR>
+                    <a:lnT w="12700" cmpd="sng">
+                      <a:noFill/>
+                    </a:lnT>
+                    <a:lnB w="12700" cmpd="sng">
+                      <a:noFill/>
+                    </a:lnB>
+                    <a:lnTlToBr w="12700" cmpd="sng">
+                      <a:noFill/>
+                      <a:prstDash val="solid"/>
+                    </a:lnTlToBr>
+                    <a:lnBlToTr w="12700" cmpd="sng">
+                      <a:noFill/>
+                      <a:prstDash val="solid"/>
+                    </a:lnBlToTr>
+                    <a:solidFill>
+                      <a:schemeClr val="accent6">
+                        <a:lumMod val="20000"/>
+                        <a:lumOff val="80000"/>
+                      </a:schemeClr>
+                    </a:solidFill>
+                  </a:tcPr>
+                </a:tc>
+                <a:tc>
+                  <a:txBody>
+                    <a:bodyPr/>
+                    <a:lstStyle/>
+                    <a:p>
+                      <a:pPr algn="r"/>
+                      <a:r>
+                        <a:rPr lang="en-US" dirty="0"/>
+                        <a:t>0.48</a:t>
+                      </a:r>
+                    </a:p>
+                  </a:txBody>
+                  <a:tcPr>
+                    <a:lnL w="12700" cmpd="sng">
+                      <a:noFill/>
+                    </a:lnL>
+                    <a:lnR w="12700" cmpd="sng">
+                      <a:noFill/>
+                    </a:lnR>
+                    <a:lnT w="12700" cmpd="sng">
+                      <a:noFill/>
+                    </a:lnT>
+                    <a:lnB w="12700" cmpd="sng">
+                      <a:noFill/>
+                    </a:lnB>
+                    <a:lnTlToBr w="12700" cmpd="sng">
+                      <a:noFill/>
+                      <a:prstDash val="solid"/>
+                    </a:lnTlToBr>
+                    <a:lnBlToTr w="12700" cmpd="sng">
+                      <a:noFill/>
+                      <a:prstDash val="solid"/>
+                    </a:lnBlToTr>
+                    <a:solidFill>
+                      <a:schemeClr val="accent6">
+                        <a:lumMod val="20000"/>
+                        <a:lumOff val="80000"/>
+                      </a:schemeClr>
+                    </a:solidFill>
+                  </a:tcPr>
+                </a:tc>
+                <a:tc>
+                  <a:txBody>
+                    <a:bodyPr/>
+                    <a:lstStyle/>
+                    <a:p>
+                      <a:pPr algn="r"/>
+                      <a:r>
+                        <a:rPr lang="en-US" dirty="0"/>
+                        <a:t>0.52</a:t>
+                      </a:r>
+                    </a:p>
+                  </a:txBody>
+                  <a:tcPr>
+                    <a:lnL w="12700" cmpd="sng">
+                      <a:noFill/>
+                    </a:lnL>
+                    <a:lnR w="12700" cmpd="sng">
+                      <a:noFill/>
+                    </a:lnR>
+                    <a:lnT w="12700" cmpd="sng">
+                      <a:noFill/>
+                    </a:lnT>
+                    <a:lnB w="12700" cmpd="sng">
+                      <a:noFill/>
+                    </a:lnB>
+                    <a:lnTlToBr w="12700" cmpd="sng">
+                      <a:noFill/>
+                      <a:prstDash val="solid"/>
+                    </a:lnTlToBr>
+                    <a:lnBlToTr w="12700" cmpd="sng">
+                      <a:noFill/>
+                      <a:prstDash val="solid"/>
+                    </a:lnBlToTr>
+                    <a:solidFill>
+                      <a:schemeClr val="accent6">
+                        <a:lumMod val="20000"/>
+                        <a:lumOff val="80000"/>
+                      </a:schemeClr>
+                    </a:solidFill>
+                  </a:tcPr>
+                </a:tc>
+                <a:tc>
+                  <a:txBody>
+                    <a:bodyPr/>
+                    <a:lstStyle/>
+                    <a:p>
+                      <a:pPr algn="r"/>
+                      <a:r>
+                        <a:rPr lang="en-US" dirty="0"/>
+                        <a:t>0.45</a:t>
+                      </a:r>
+                    </a:p>
+                  </a:txBody>
+                  <a:tcPr>
+                    <a:lnL w="12700" cmpd="sng">
+                      <a:noFill/>
+                    </a:lnL>
+                    <a:lnR w="12700" cmpd="sng">
+                      <a:noFill/>
+                    </a:lnR>
+                    <a:lnT w="12700" cmpd="sng">
+                      <a:noFill/>
+                    </a:lnT>
+                    <a:lnB w="12700" cmpd="sng">
+                      <a:noFill/>
+                    </a:lnB>
+                    <a:lnTlToBr w="12700" cmpd="sng">
+                      <a:noFill/>
+                      <a:prstDash val="solid"/>
+                    </a:lnTlToBr>
+                    <a:lnBlToTr w="12700" cmpd="sng">
+                      <a:noFill/>
+                      <a:prstDash val="solid"/>
+                    </a:lnBlToTr>
+                    <a:solidFill>
+                      <a:schemeClr val="accent6">
+                        <a:lumMod val="20000"/>
+                        <a:lumOff val="80000"/>
+                      </a:schemeClr>
+                    </a:solidFill>
+                  </a:tcPr>
+                </a:tc>
+                <a:extLst>
+                  <a:ext uri="{0D108BD9-81ED-4DB2-BD59-A6C34878D82A}">
+                    <a16:rowId xmlns:a16="http://schemas.microsoft.com/office/drawing/2014/main" val="2798518798"/>
+                  </a:ext>
+                </a:extLst>
+              </a:tr>
+              <a:tr h="370840">
+                <a:tc>
+                  <a:txBody>
+                    <a:bodyPr/>
+                    <a:lstStyle/>
+                    <a:p>
+                      <a:pPr algn="r"/>
+                      <a:r>
+                        <a:rPr lang="en-US" dirty="0"/>
+                        <a:t>True Positives</a:t>
+                      </a:r>
+                    </a:p>
+                  </a:txBody>
+                  <a:tcPr>
+                    <a:lnL w="12700" cmpd="sng">
+                      <a:noFill/>
+                    </a:lnL>
+                    <a:lnR w="12700" cmpd="sng">
+                      <a:noFill/>
+                    </a:lnR>
+                    <a:lnT w="12700" cmpd="sng">
+                      <a:noFill/>
+                    </a:lnT>
+                    <a:lnB w="12700" cmpd="sng">
+                      <a:noFill/>
+                    </a:lnB>
+                    <a:lnTlToBr w="12700" cmpd="sng">
+                      <a:noFill/>
+                      <a:prstDash val="solid"/>
+                    </a:lnTlToBr>
+                    <a:lnBlToTr w="12700" cmpd="sng">
+                      <a:noFill/>
+                      <a:prstDash val="solid"/>
+                    </a:lnBlToTr>
+                    <a:solidFill>
+                      <a:schemeClr val="bg1"/>
+                    </a:solidFill>
+                  </a:tcPr>
+                </a:tc>
+                <a:tc>
+                  <a:txBody>
+                    <a:bodyPr/>
+                    <a:lstStyle/>
+                    <a:p>
+                      <a:pPr algn="r"/>
+                      <a:r>
+                        <a:rPr lang="en-US" dirty="0"/>
+                        <a:t>22</a:t>
+                      </a:r>
+                    </a:p>
+                  </a:txBody>
+                  <a:tcPr>
+                    <a:lnL w="12700" cmpd="sng">
+                      <a:noFill/>
+                    </a:lnL>
+                    <a:lnR w="12700" cmpd="sng">
+                      <a:noFill/>
+                    </a:lnR>
+                    <a:lnT w="12700" cmpd="sng">
+                      <a:noFill/>
+                    </a:lnT>
+                    <a:lnB w="12700" cmpd="sng">
+                      <a:noFill/>
+                    </a:lnB>
+                    <a:lnTlToBr w="12700" cmpd="sng">
+                      <a:noFill/>
+                      <a:prstDash val="solid"/>
+                    </a:lnTlToBr>
+                    <a:lnBlToTr w="12700" cmpd="sng">
+                      <a:noFill/>
+                      <a:prstDash val="solid"/>
+                    </a:lnBlToTr>
+                    <a:solidFill>
+                      <a:schemeClr val="accent6">
+                        <a:lumMod val="20000"/>
+                        <a:lumOff val="80000"/>
+                      </a:schemeClr>
+                    </a:solidFill>
+                  </a:tcPr>
+                </a:tc>
+                <a:tc>
+                  <a:txBody>
+                    <a:bodyPr/>
+                    <a:lstStyle/>
+                    <a:p>
+                      <a:pPr algn="r"/>
+                      <a:r>
+                        <a:rPr lang="en-US" dirty="0"/>
+                        <a:t>17</a:t>
+                      </a:r>
+                    </a:p>
+                  </a:txBody>
+                  <a:tcPr>
+                    <a:lnL w="12700" cmpd="sng">
+                      <a:noFill/>
+                    </a:lnL>
+                    <a:lnR w="12700" cmpd="sng">
+                      <a:noFill/>
+                    </a:lnR>
+                    <a:lnT w="12700" cmpd="sng">
+                      <a:noFill/>
+                    </a:lnT>
+                    <a:lnB w="12700" cmpd="sng">
+                      <a:noFill/>
+                    </a:lnB>
+                    <a:lnTlToBr w="12700" cmpd="sng">
+                      <a:noFill/>
+                      <a:prstDash val="solid"/>
+                    </a:lnTlToBr>
+                    <a:lnBlToTr w="12700" cmpd="sng">
+                      <a:noFill/>
+                      <a:prstDash val="solid"/>
+                    </a:lnBlToTr>
+                    <a:solidFill>
+                      <a:schemeClr val="accent6">
+                        <a:lumMod val="20000"/>
+                        <a:lumOff val="80000"/>
+                      </a:schemeClr>
+                    </a:solidFill>
+                  </a:tcPr>
+                </a:tc>
+                <a:tc>
+                  <a:txBody>
+                    <a:bodyPr/>
+                    <a:lstStyle/>
+                    <a:p>
+                      <a:pPr algn="r"/>
+                      <a:r>
+                        <a:rPr lang="en-US" dirty="0"/>
+                        <a:t>25</a:t>
+                      </a:r>
+                    </a:p>
+                  </a:txBody>
+                  <a:tcPr>
+                    <a:lnL w="12700" cmpd="sng">
+                      <a:noFill/>
+                    </a:lnL>
+                    <a:lnR w="12700" cmpd="sng">
+                      <a:noFill/>
+                    </a:lnR>
+                    <a:lnT w="12700" cmpd="sng">
+                      <a:noFill/>
+                    </a:lnT>
+                    <a:lnB w="12700" cmpd="sng">
+                      <a:noFill/>
+                    </a:lnB>
+                    <a:lnTlToBr w="12700" cmpd="sng">
+                      <a:noFill/>
+                      <a:prstDash val="solid"/>
+                    </a:lnTlToBr>
+                    <a:lnBlToTr w="12700" cmpd="sng">
+                      <a:noFill/>
+                      <a:prstDash val="solid"/>
+                    </a:lnBlToTr>
+                    <a:solidFill>
+                      <a:schemeClr val="accent6">
+                        <a:lumMod val="20000"/>
+                        <a:lumOff val="80000"/>
+                      </a:schemeClr>
+                    </a:solidFill>
+                  </a:tcPr>
+                </a:tc>
+                <a:tc>
+                  <a:txBody>
+                    <a:bodyPr/>
+                    <a:lstStyle/>
+                    <a:p>
+                      <a:pPr algn="r"/>
+                      <a:r>
+                        <a:rPr lang="en-US" dirty="0"/>
+                        <a:t>23</a:t>
+                      </a:r>
+                    </a:p>
+                  </a:txBody>
+                  <a:tcPr>
+                    <a:lnL w="12700" cmpd="sng">
+                      <a:noFill/>
+                    </a:lnL>
+                    <a:lnR w="12700" cmpd="sng">
+                      <a:noFill/>
+                    </a:lnR>
+                    <a:lnT w="12700" cmpd="sng">
+                      <a:noFill/>
+                    </a:lnT>
+                    <a:lnB w="12700" cmpd="sng">
+                      <a:noFill/>
+                    </a:lnB>
+                    <a:lnTlToBr w="12700" cmpd="sng">
+                      <a:noFill/>
+                      <a:prstDash val="solid"/>
+                    </a:lnTlToBr>
+                    <a:lnBlToTr w="12700" cmpd="sng">
+                      <a:noFill/>
+                      <a:prstDash val="solid"/>
+                    </a:lnBlToTr>
+                    <a:solidFill>
+                      <a:schemeClr val="accent6">
+                        <a:lumMod val="20000"/>
+                        <a:lumOff val="80000"/>
+                      </a:schemeClr>
+                    </a:solidFill>
+                  </a:tcPr>
+                </a:tc>
+                <a:tc>
+                  <a:txBody>
+                    <a:bodyPr/>
+                    <a:lstStyle/>
+                    <a:p>
+                      <a:pPr algn="r"/>
+                      <a:r>
+                        <a:rPr lang="en-US" dirty="0"/>
+                        <a:t>19</a:t>
+                      </a:r>
+                    </a:p>
+                  </a:txBody>
+                  <a:tcPr>
+                    <a:lnL w="12700" cmpd="sng">
+                      <a:noFill/>
+                    </a:lnL>
+                    <a:lnR w="12700" cmpd="sng">
+                      <a:noFill/>
+                    </a:lnR>
+                    <a:lnT w="12700" cmpd="sng">
+                      <a:noFill/>
+                    </a:lnT>
+                    <a:lnB w="12700" cmpd="sng">
+                      <a:noFill/>
+                    </a:lnB>
+                    <a:lnTlToBr w="12700" cmpd="sng">
+                      <a:noFill/>
+                      <a:prstDash val="solid"/>
+                    </a:lnTlToBr>
+                    <a:lnBlToTr w="12700" cmpd="sng">
+                      <a:noFill/>
+                      <a:prstDash val="solid"/>
+                    </a:lnBlToTr>
+                    <a:solidFill>
+                      <a:schemeClr val="accent6">
+                        <a:lumMod val="20000"/>
+                        <a:lumOff val="80000"/>
+                      </a:schemeClr>
+                    </a:solidFill>
+                  </a:tcPr>
+                </a:tc>
+                <a:extLst>
+                  <a:ext uri="{0D108BD9-81ED-4DB2-BD59-A6C34878D82A}">
+                    <a16:rowId xmlns:a16="http://schemas.microsoft.com/office/drawing/2014/main" val="2426026941"/>
+                  </a:ext>
+                </a:extLst>
+              </a:tr>
+              <a:tr h="370840">
+                <a:tc>
+                  <a:txBody>
+                    <a:bodyPr/>
+                    <a:lstStyle/>
+                    <a:p>
+                      <a:pPr algn="r"/>
+                      <a:r>
+                        <a:rPr lang="en-US" dirty="0"/>
+                        <a:t>True Negatives</a:t>
+                      </a:r>
+                    </a:p>
+                  </a:txBody>
+                  <a:tcPr>
+                    <a:lnL w="12700" cmpd="sng">
+                      <a:noFill/>
+                    </a:lnL>
+                    <a:lnR w="12700" cmpd="sng">
+                      <a:noFill/>
+                    </a:lnR>
+                    <a:lnT w="12700" cmpd="sng">
+                      <a:noFill/>
+                    </a:lnT>
+                    <a:lnB w="12700" cmpd="sng">
+                      <a:noFill/>
+                    </a:lnB>
+                    <a:lnTlToBr w="12700" cmpd="sng">
+                      <a:noFill/>
+                      <a:prstDash val="solid"/>
+                    </a:lnTlToBr>
+                    <a:lnBlToTr w="12700" cmpd="sng">
+                      <a:noFill/>
+                      <a:prstDash val="solid"/>
+                    </a:lnBlToTr>
+                    <a:solidFill>
+                      <a:schemeClr val="bg1"/>
+                    </a:solidFill>
+                  </a:tcPr>
+                </a:tc>
+                <a:tc>
+                  <a:txBody>
+                    <a:bodyPr/>
+                    <a:lstStyle/>
+                    <a:p>
+                      <a:pPr algn="r"/>
+                      <a:r>
+                        <a:rPr lang="en-US" dirty="0"/>
+                        <a:t>22</a:t>
+                      </a:r>
+                    </a:p>
+                  </a:txBody>
+                  <a:tcPr>
+                    <a:lnL w="12700" cmpd="sng">
+                      <a:noFill/>
+                    </a:lnL>
+                    <a:lnR w="12700" cmpd="sng">
+                      <a:noFill/>
+                    </a:lnR>
+                    <a:lnT w="12700" cmpd="sng">
+                      <a:noFill/>
+                    </a:lnT>
+                    <a:lnB w="12700" cmpd="sng">
+                      <a:noFill/>
+                    </a:lnB>
+                    <a:lnTlToBr w="12700" cmpd="sng">
+                      <a:noFill/>
+                      <a:prstDash val="solid"/>
+                    </a:lnTlToBr>
+                    <a:lnBlToTr w="12700" cmpd="sng">
+                      <a:noFill/>
+                      <a:prstDash val="solid"/>
+                    </a:lnBlToTr>
+                    <a:solidFill>
+                      <a:schemeClr val="accent6">
+                        <a:lumMod val="20000"/>
+                        <a:lumOff val="80000"/>
+                      </a:schemeClr>
+                    </a:solidFill>
+                  </a:tcPr>
+                </a:tc>
+                <a:tc>
+                  <a:txBody>
+                    <a:bodyPr/>
+                    <a:lstStyle/>
+                    <a:p>
+                      <a:pPr algn="r"/>
+                      <a:r>
+                        <a:rPr lang="en-US" dirty="0"/>
+                        <a:t>19</a:t>
+                      </a:r>
+                    </a:p>
+                  </a:txBody>
+                  <a:tcPr>
+                    <a:lnL w="12700" cmpd="sng">
+                      <a:noFill/>
+                    </a:lnL>
+                    <a:lnR w="12700" cmpd="sng">
+                      <a:noFill/>
+                    </a:lnR>
+                    <a:lnT w="12700" cmpd="sng">
+                      <a:noFill/>
+                    </a:lnT>
+                    <a:lnB w="12700" cmpd="sng">
+                      <a:noFill/>
+                    </a:lnB>
+                    <a:lnTlToBr w="12700" cmpd="sng">
+                      <a:noFill/>
+                      <a:prstDash val="solid"/>
+                    </a:lnTlToBr>
+                    <a:lnBlToTr w="12700" cmpd="sng">
+                      <a:noFill/>
+                      <a:prstDash val="solid"/>
+                    </a:lnBlToTr>
+                    <a:solidFill>
+                      <a:schemeClr val="accent6">
+                        <a:lumMod val="20000"/>
+                        <a:lumOff val="80000"/>
+                      </a:schemeClr>
+                    </a:solidFill>
+                  </a:tcPr>
+                </a:tc>
+                <a:tc>
+                  <a:txBody>
+                    <a:bodyPr/>
+                    <a:lstStyle/>
+                    <a:p>
+                      <a:pPr algn="r"/>
+                      <a:r>
+                        <a:rPr lang="en-US" dirty="0"/>
+                        <a:t>16</a:t>
+                      </a:r>
+                    </a:p>
+                  </a:txBody>
+                  <a:tcPr>
+                    <a:lnL w="12700" cmpd="sng">
+                      <a:noFill/>
+                    </a:lnL>
+                    <a:lnR w="12700" cmpd="sng">
+                      <a:noFill/>
+                    </a:lnR>
+                    <a:lnT w="12700" cmpd="sng">
+                      <a:noFill/>
+                    </a:lnT>
+                    <a:lnB w="12700" cmpd="sng">
+                      <a:noFill/>
+                    </a:lnB>
+                    <a:lnTlToBr w="12700" cmpd="sng">
+                      <a:noFill/>
+                      <a:prstDash val="solid"/>
+                    </a:lnTlToBr>
+                    <a:lnBlToTr w="12700" cmpd="sng">
+                      <a:noFill/>
+                      <a:prstDash val="solid"/>
+                    </a:lnBlToTr>
+                    <a:solidFill>
+                      <a:schemeClr val="accent6">
+                        <a:lumMod val="20000"/>
+                        <a:lumOff val="80000"/>
+                      </a:schemeClr>
+                    </a:solidFill>
+                  </a:tcPr>
+                </a:tc>
+                <a:tc>
+                  <a:txBody>
+                    <a:bodyPr/>
+                    <a:lstStyle/>
+                    <a:p>
+                      <a:pPr algn="r"/>
+                      <a:r>
+                        <a:rPr lang="en-US" dirty="0"/>
+                        <a:t>21</a:t>
+                      </a:r>
+                    </a:p>
+                  </a:txBody>
+                  <a:tcPr>
+                    <a:lnL w="12700" cmpd="sng">
+                      <a:noFill/>
+                    </a:lnL>
+                    <a:lnR w="12700" cmpd="sng">
+                      <a:noFill/>
+                    </a:lnR>
+                    <a:lnT w="12700" cmpd="sng">
+                      <a:noFill/>
+                    </a:lnT>
+                    <a:lnB w="12700" cmpd="sng">
+                      <a:noFill/>
+                    </a:lnB>
+                    <a:lnTlToBr w="12700" cmpd="sng">
+                      <a:noFill/>
+                      <a:prstDash val="solid"/>
+                    </a:lnTlToBr>
+                    <a:lnBlToTr w="12700" cmpd="sng">
+                      <a:noFill/>
+                      <a:prstDash val="solid"/>
+                    </a:lnBlToTr>
+                    <a:solidFill>
+                      <a:schemeClr val="accent6">
+                        <a:lumMod val="20000"/>
+                        <a:lumOff val="80000"/>
+                      </a:schemeClr>
+                    </a:solidFill>
+                  </a:tcPr>
+                </a:tc>
+                <a:tc>
+                  <a:txBody>
+                    <a:bodyPr/>
+                    <a:lstStyle/>
+                    <a:p>
+                      <a:pPr algn="r"/>
+                      <a:r>
+                        <a:rPr lang="en-US" dirty="0"/>
+                        <a:t>19</a:t>
+                      </a:r>
+                    </a:p>
+                  </a:txBody>
+                  <a:tcPr>
+                    <a:lnL w="12700" cmpd="sng">
+                      <a:noFill/>
+                    </a:lnL>
+                    <a:lnR w="12700" cmpd="sng">
+                      <a:noFill/>
+                    </a:lnR>
+                    <a:lnT w="12700" cmpd="sng">
+                      <a:noFill/>
+                    </a:lnT>
+                    <a:lnB w="12700" cmpd="sng">
+                      <a:noFill/>
+                    </a:lnB>
+                    <a:lnTlToBr w="12700" cmpd="sng">
+                      <a:noFill/>
+                      <a:prstDash val="solid"/>
+                    </a:lnTlToBr>
+                    <a:lnBlToTr w="12700" cmpd="sng">
+                      <a:noFill/>
+                      <a:prstDash val="solid"/>
+                    </a:lnBlToTr>
+                    <a:solidFill>
+                      <a:schemeClr val="accent6">
+                        <a:lumMod val="20000"/>
+                        <a:lumOff val="80000"/>
+                      </a:schemeClr>
+                    </a:solidFill>
+                  </a:tcPr>
+                </a:tc>
+                <a:extLst>
+                  <a:ext uri="{0D108BD9-81ED-4DB2-BD59-A6C34878D82A}">
+                    <a16:rowId xmlns:a16="http://schemas.microsoft.com/office/drawing/2014/main" val="2477473007"/>
+                  </a:ext>
+                </a:extLst>
+              </a:tr>
+              <a:tr h="370840">
+                <a:tc>
+                  <a:txBody>
+                    <a:bodyPr/>
+                    <a:lstStyle/>
+                    <a:p>
+                      <a:pPr algn="r"/>
+                      <a:r>
+                        <a:rPr lang="en-US" dirty="0"/>
+                        <a:t>False Positives</a:t>
+                      </a:r>
+                    </a:p>
+                  </a:txBody>
+                  <a:tcPr>
+                    <a:lnL w="12700" cmpd="sng">
+                      <a:noFill/>
+                    </a:lnL>
+                    <a:lnR w="12700" cmpd="sng">
+                      <a:noFill/>
+                    </a:lnR>
+                    <a:lnT w="12700" cmpd="sng">
+                      <a:noFill/>
+                    </a:lnT>
+                    <a:lnB w="12700" cmpd="sng">
+                      <a:noFill/>
+                    </a:lnB>
+                    <a:lnTlToBr w="12700" cmpd="sng">
+                      <a:noFill/>
+                      <a:prstDash val="solid"/>
+                    </a:lnTlToBr>
+                    <a:lnBlToTr w="12700" cmpd="sng">
+                      <a:noFill/>
+                      <a:prstDash val="solid"/>
+                    </a:lnBlToTr>
+                    <a:solidFill>
+                      <a:schemeClr val="bg1"/>
+                    </a:solidFill>
+                  </a:tcPr>
+                </a:tc>
+                <a:tc>
+                  <a:txBody>
+                    <a:bodyPr/>
+                    <a:lstStyle/>
+                    <a:p>
+                      <a:pPr algn="r"/>
+                      <a:r>
+                        <a:rPr lang="en-US" dirty="0"/>
+                        <a:t>13</a:t>
+                      </a:r>
+                    </a:p>
+                  </a:txBody>
+                  <a:tcPr>
+                    <a:lnL w="12700" cmpd="sng">
+                      <a:noFill/>
+                    </a:lnL>
+                    <a:lnR w="12700" cmpd="sng">
+                      <a:noFill/>
+                    </a:lnR>
+                    <a:lnT w="12700" cmpd="sng">
+                      <a:noFill/>
+                    </a:lnT>
+                    <a:lnB w="12700" cmpd="sng">
+                      <a:noFill/>
+                    </a:lnB>
+                    <a:lnTlToBr w="12700" cmpd="sng">
+                      <a:noFill/>
+                      <a:prstDash val="solid"/>
+                    </a:lnTlToBr>
+                    <a:lnBlToTr w="12700" cmpd="sng">
+                      <a:noFill/>
+                      <a:prstDash val="solid"/>
+                    </a:lnBlToTr>
+                    <a:solidFill>
+                      <a:schemeClr val="accent6">
+                        <a:lumMod val="20000"/>
+                        <a:lumOff val="80000"/>
+                      </a:schemeClr>
+                    </a:solidFill>
+                  </a:tcPr>
+                </a:tc>
+                <a:tc>
+                  <a:txBody>
+                    <a:bodyPr/>
+                    <a:lstStyle/>
+                    <a:p>
+                      <a:pPr algn="r"/>
+                      <a:r>
+                        <a:rPr lang="en-US" dirty="0"/>
+                        <a:t>18</a:t>
+                      </a:r>
+                    </a:p>
+                  </a:txBody>
+                  <a:tcPr>
+                    <a:lnL w="12700" cmpd="sng">
+                      <a:noFill/>
+                    </a:lnL>
+                    <a:lnR w="12700" cmpd="sng">
+                      <a:noFill/>
+                    </a:lnR>
+                    <a:lnT w="12700" cmpd="sng">
+                      <a:noFill/>
+                    </a:lnT>
+                    <a:lnB w="12700" cmpd="sng">
+                      <a:noFill/>
+                    </a:lnB>
+                    <a:lnTlToBr w="12700" cmpd="sng">
+                      <a:noFill/>
+                      <a:prstDash val="solid"/>
+                    </a:lnTlToBr>
+                    <a:lnBlToTr w="12700" cmpd="sng">
+                      <a:noFill/>
+                      <a:prstDash val="solid"/>
+                    </a:lnBlToTr>
+                    <a:solidFill>
+                      <a:schemeClr val="accent6">
+                        <a:lumMod val="20000"/>
+                        <a:lumOff val="80000"/>
+                      </a:schemeClr>
+                    </a:solidFill>
+                  </a:tcPr>
+                </a:tc>
+                <a:tc>
+                  <a:txBody>
+                    <a:bodyPr/>
+                    <a:lstStyle/>
+                    <a:p>
+                      <a:pPr algn="r"/>
+                      <a:r>
+                        <a:rPr lang="en-US" dirty="0"/>
+                        <a:t>18</a:t>
+                      </a:r>
+                    </a:p>
+                  </a:txBody>
+                  <a:tcPr>
+                    <a:lnL w="12700" cmpd="sng">
+                      <a:noFill/>
+                    </a:lnL>
+                    <a:lnR w="12700" cmpd="sng">
+                      <a:noFill/>
+                    </a:lnR>
+                    <a:lnT w="12700" cmpd="sng">
+                      <a:noFill/>
+                    </a:lnT>
+                    <a:lnB w="12700" cmpd="sng">
+                      <a:noFill/>
+                    </a:lnB>
+                    <a:lnTlToBr w="12700" cmpd="sng">
+                      <a:noFill/>
+                      <a:prstDash val="solid"/>
+                    </a:lnTlToBr>
+                    <a:lnBlToTr w="12700" cmpd="sng">
+                      <a:noFill/>
+                      <a:prstDash val="solid"/>
+                    </a:lnBlToTr>
+                    <a:solidFill>
+                      <a:schemeClr val="accent6">
+                        <a:lumMod val="20000"/>
+                        <a:lumOff val="80000"/>
+                      </a:schemeClr>
+                    </a:solidFill>
+                  </a:tcPr>
+                </a:tc>
+                <a:tc>
+                  <a:txBody>
+                    <a:bodyPr/>
+                    <a:lstStyle/>
+                    <a:p>
+                      <a:pPr algn="r"/>
+                      <a:r>
+                        <a:rPr lang="en-US" dirty="0"/>
+                        <a:t>14</a:t>
+                      </a:r>
+                    </a:p>
+                  </a:txBody>
+                  <a:tcPr>
+                    <a:lnL w="12700" cmpd="sng">
+                      <a:noFill/>
+                    </a:lnL>
+                    <a:lnR w="12700" cmpd="sng">
+                      <a:noFill/>
+                    </a:lnR>
+                    <a:lnT w="12700" cmpd="sng">
+                      <a:noFill/>
+                    </a:lnT>
+                    <a:lnB w="12700" cmpd="sng">
+                      <a:noFill/>
+                    </a:lnB>
+                    <a:lnTlToBr w="12700" cmpd="sng">
+                      <a:noFill/>
+                      <a:prstDash val="solid"/>
+                    </a:lnTlToBr>
+                    <a:lnBlToTr w="12700" cmpd="sng">
+                      <a:noFill/>
+                      <a:prstDash val="solid"/>
+                    </a:lnBlToTr>
+                    <a:solidFill>
+                      <a:schemeClr val="accent6">
+                        <a:lumMod val="20000"/>
+                        <a:lumOff val="80000"/>
+                      </a:schemeClr>
+                    </a:solidFill>
+                  </a:tcPr>
+                </a:tc>
+                <a:tc>
+                  <a:txBody>
+                    <a:bodyPr/>
+                    <a:lstStyle/>
+                    <a:p>
+                      <a:pPr algn="r"/>
+                      <a:r>
+                        <a:rPr lang="en-US" dirty="0"/>
+                        <a:t>25</a:t>
+                      </a:r>
+                    </a:p>
+                  </a:txBody>
+                  <a:tcPr>
+                    <a:lnL w="12700" cmpd="sng">
+                      <a:noFill/>
+                    </a:lnL>
+                    <a:lnR w="12700" cmpd="sng">
+                      <a:noFill/>
+                    </a:lnR>
+                    <a:lnT w="12700" cmpd="sng">
+                      <a:noFill/>
+                    </a:lnT>
+                    <a:lnB w="12700" cmpd="sng">
+                      <a:noFill/>
+                    </a:lnB>
+                    <a:lnTlToBr w="12700" cmpd="sng">
+                      <a:noFill/>
+                      <a:prstDash val="solid"/>
+                    </a:lnTlToBr>
+                    <a:lnBlToTr w="12700" cmpd="sng">
+                      <a:noFill/>
+                      <a:prstDash val="solid"/>
+                    </a:lnBlToTr>
+                    <a:solidFill>
+                      <a:schemeClr val="accent6">
+                        <a:lumMod val="20000"/>
+                        <a:lumOff val="80000"/>
+                      </a:schemeClr>
+                    </a:solidFill>
+                  </a:tcPr>
+                </a:tc>
+                <a:extLst>
+                  <a:ext uri="{0D108BD9-81ED-4DB2-BD59-A6C34878D82A}">
+                    <a16:rowId xmlns:a16="http://schemas.microsoft.com/office/drawing/2014/main" val="2003435737"/>
+                  </a:ext>
+                </a:extLst>
+              </a:tr>
+              <a:tr h="370840">
+                <a:tc>
+                  <a:txBody>
+                    <a:bodyPr/>
+                    <a:lstStyle/>
+                    <a:p>
+                      <a:pPr algn="r"/>
+                      <a:r>
+                        <a:rPr lang="en-US" dirty="0"/>
+                        <a:t>False Negatives</a:t>
+                      </a:r>
+                    </a:p>
+                  </a:txBody>
+                  <a:tcPr>
+                    <a:lnL w="12700" cmpd="sng">
+                      <a:noFill/>
+                    </a:lnL>
+                    <a:lnR w="12700" cmpd="sng">
+                      <a:noFill/>
+                    </a:lnR>
+                    <a:lnT w="12700" cmpd="sng">
+                      <a:noFill/>
+                    </a:lnT>
+                    <a:lnB w="12700" cmpd="sng">
+                      <a:noFill/>
+                    </a:lnB>
+                    <a:lnTlToBr w="12700" cmpd="sng">
+                      <a:noFill/>
+                      <a:prstDash val="solid"/>
+                    </a:lnTlToBr>
+                    <a:lnBlToTr w="12700" cmpd="sng">
+                      <a:noFill/>
+                      <a:prstDash val="solid"/>
+                    </a:lnBlToTr>
+                    <a:solidFill>
+                      <a:schemeClr val="bg1"/>
+                    </a:solidFill>
+                  </a:tcPr>
+                </a:tc>
+                <a:tc>
+                  <a:txBody>
+                    <a:bodyPr/>
+                    <a:lstStyle/>
+                    <a:p>
+                      <a:pPr algn="r"/>
+                      <a:r>
+                        <a:rPr lang="en-US" dirty="0"/>
+                        <a:t>28</a:t>
+                      </a:r>
+                    </a:p>
+                  </a:txBody>
+                  <a:tcPr>
+                    <a:lnL w="12700" cmpd="sng">
+                      <a:noFill/>
+                    </a:lnL>
+                    <a:lnR w="12700" cmpd="sng">
+                      <a:noFill/>
+                    </a:lnR>
+                    <a:lnT w="12700" cmpd="sng">
+                      <a:noFill/>
+                    </a:lnT>
+                    <a:lnB w="12700" cmpd="sng">
+                      <a:noFill/>
+                    </a:lnB>
+                    <a:lnTlToBr w="12700" cmpd="sng">
+                      <a:noFill/>
+                      <a:prstDash val="solid"/>
+                    </a:lnTlToBr>
+                    <a:lnBlToTr w="12700" cmpd="sng">
+                      <a:noFill/>
+                      <a:prstDash val="solid"/>
+                    </a:lnBlToTr>
+                    <a:solidFill>
+                      <a:schemeClr val="accent6">
+                        <a:lumMod val="20000"/>
+                        <a:lumOff val="80000"/>
+                      </a:schemeClr>
+                    </a:solidFill>
+                  </a:tcPr>
+                </a:tc>
+                <a:tc>
+                  <a:txBody>
+                    <a:bodyPr/>
+                    <a:lstStyle/>
+                    <a:p>
+                      <a:pPr algn="r"/>
+                      <a:r>
+                        <a:rPr lang="en-US" dirty="0"/>
+                        <a:t>31</a:t>
+                      </a:r>
+                    </a:p>
+                  </a:txBody>
+                  <a:tcPr>
+                    <a:lnL w="12700" cmpd="sng">
+                      <a:noFill/>
+                    </a:lnL>
+                    <a:lnR w="12700" cmpd="sng">
+                      <a:noFill/>
+                    </a:lnR>
+                    <a:lnT w="12700" cmpd="sng">
+                      <a:noFill/>
+                    </a:lnT>
+                    <a:lnB w="12700" cmpd="sng">
+                      <a:noFill/>
+                    </a:lnB>
+                    <a:lnTlToBr w="12700" cmpd="sng">
+                      <a:noFill/>
+                      <a:prstDash val="solid"/>
+                    </a:lnTlToBr>
+                    <a:lnBlToTr w="12700" cmpd="sng">
+                      <a:noFill/>
+                      <a:prstDash val="solid"/>
+                    </a:lnBlToTr>
+                    <a:solidFill>
+                      <a:schemeClr val="accent6">
+                        <a:lumMod val="20000"/>
+                        <a:lumOff val="80000"/>
+                      </a:schemeClr>
+                    </a:solidFill>
+                  </a:tcPr>
+                </a:tc>
+                <a:tc>
+                  <a:txBody>
+                    <a:bodyPr/>
+                    <a:lstStyle/>
+                    <a:p>
+                      <a:pPr algn="r"/>
+                      <a:r>
+                        <a:rPr lang="en-US" dirty="0"/>
+                        <a:t>26</a:t>
+                      </a:r>
+                    </a:p>
+                  </a:txBody>
+                  <a:tcPr>
+                    <a:lnL w="12700" cmpd="sng">
+                      <a:noFill/>
+                    </a:lnL>
+                    <a:lnR w="12700" cmpd="sng">
+                      <a:noFill/>
+                    </a:lnR>
+                    <a:lnT w="12700" cmpd="sng">
+                      <a:noFill/>
+                    </a:lnT>
+                    <a:lnB w="12700" cmpd="sng">
+                      <a:noFill/>
+                    </a:lnB>
+                    <a:lnTlToBr w="12700" cmpd="sng">
+                      <a:noFill/>
+                      <a:prstDash val="solid"/>
+                    </a:lnTlToBr>
+                    <a:lnBlToTr w="12700" cmpd="sng">
+                      <a:noFill/>
+                      <a:prstDash val="solid"/>
+                    </a:lnBlToTr>
+                    <a:solidFill>
+                      <a:schemeClr val="accent6">
+                        <a:lumMod val="20000"/>
+                        <a:lumOff val="80000"/>
+                      </a:schemeClr>
+                    </a:solidFill>
+                  </a:tcPr>
+                </a:tc>
+                <a:tc>
+                  <a:txBody>
+                    <a:bodyPr/>
+                    <a:lstStyle/>
+                    <a:p>
+                      <a:pPr algn="r"/>
+                      <a:r>
+                        <a:rPr lang="en-US" dirty="0"/>
+                        <a:t>27</a:t>
+                      </a:r>
+                    </a:p>
+                  </a:txBody>
+                  <a:tcPr>
+                    <a:lnL w="12700" cmpd="sng">
+                      <a:noFill/>
+                    </a:lnL>
+                    <a:lnR w="12700" cmpd="sng">
+                      <a:noFill/>
+                    </a:lnR>
+                    <a:lnT w="12700" cmpd="sng">
+                      <a:noFill/>
+                    </a:lnT>
+                    <a:lnB w="12700" cmpd="sng">
+                      <a:noFill/>
+                    </a:lnB>
+                    <a:lnTlToBr w="12700" cmpd="sng">
+                      <a:noFill/>
+                      <a:prstDash val="solid"/>
+                    </a:lnTlToBr>
+                    <a:lnBlToTr w="12700" cmpd="sng">
+                      <a:noFill/>
+                      <a:prstDash val="solid"/>
+                    </a:lnBlToTr>
+                    <a:solidFill>
+                      <a:schemeClr val="accent6">
+                        <a:lumMod val="20000"/>
+                        <a:lumOff val="80000"/>
+                      </a:schemeClr>
+                    </a:solidFill>
+                  </a:tcPr>
+                </a:tc>
+                <a:tc>
+                  <a:txBody>
+                    <a:bodyPr/>
+                    <a:lstStyle/>
+                    <a:p>
+                      <a:pPr algn="r"/>
+                      <a:r>
+                        <a:rPr lang="en-US" dirty="0"/>
+                        <a:t>22</a:t>
+                      </a:r>
+                    </a:p>
+                  </a:txBody>
+                  <a:tcPr>
+                    <a:lnL w="12700" cmpd="sng">
+                      <a:noFill/>
+                    </a:lnL>
+                    <a:lnR w="12700" cmpd="sng">
+                      <a:noFill/>
+                    </a:lnR>
+                    <a:lnT w="12700" cmpd="sng">
+                      <a:noFill/>
+                    </a:lnT>
+                    <a:lnB w="12700" cmpd="sng">
+                      <a:noFill/>
+                    </a:lnB>
+                    <a:lnTlToBr w="12700" cmpd="sng">
+                      <a:noFill/>
+                      <a:prstDash val="solid"/>
+                    </a:lnTlToBr>
+                    <a:lnBlToTr w="12700" cmpd="sng">
+                      <a:noFill/>
+                      <a:prstDash val="solid"/>
+                    </a:lnBlToTr>
+                    <a:solidFill>
+                      <a:schemeClr val="accent6">
+                        <a:lumMod val="20000"/>
+                        <a:lumOff val="80000"/>
+                      </a:schemeClr>
+                    </a:solidFill>
+                  </a:tcPr>
+                </a:tc>
+                <a:extLst>
+                  <a:ext uri="{0D108BD9-81ED-4DB2-BD59-A6C34878D82A}">
+                    <a16:rowId xmlns:a16="http://schemas.microsoft.com/office/drawing/2014/main" val="2943141704"/>
+                  </a:ext>
+                </a:extLst>
+              </a:tr>
+            </a:tbl>
+          </a:graphicData>
+        </a:graphic>
+      </p:graphicFrame>
+    </p:spTree>
+    <p:extLst>
+      <p:ext uri="{BB962C8B-B14F-4D97-AF65-F5344CB8AC3E}">
+        <p14:creationId xmlns:p14="http://schemas.microsoft.com/office/powerpoint/2010/main" val="2522039108"/>
+      </p:ext>
+    </p:extLst>
+  </p:cSld>
+  <p:clrMapOvr>
+    <a:masterClrMapping/>
+  </p:clrMapOvr>
+</p:sld>
+</file>
+
+<file path=ppt/slides/slide11.xml><?xml version="1.0" encoding="utf-8"?>
+<p:sld xmlns:a="http://schemas.openxmlformats.org/drawingml/2006/main" xmlns:r="http://schemas.openxmlformats.org/officeDocument/2006/relationships" xmlns:p="http://schemas.openxmlformats.org/presentationml/2006/main">
+  <p:cSld>
+    <p:spTree>
+      <p:nvGrpSpPr>
+        <p:cNvPr id="1" name=""/>
+        <p:cNvGrpSpPr/>
+        <p:nvPr/>
+      </p:nvGrpSpPr>
+      <p:grpSpPr>
+        <a:xfrm>
+          <a:off x="0" y="0"/>
+          <a:ext cx="0" cy="0"/>
+          <a:chOff x="0" y="0"/>
+          <a:chExt cx="0" cy="0"/>
+        </a:xfrm>
+      </p:grpSpPr>
+      <p:graphicFrame>
+        <p:nvGraphicFramePr>
+          <p:cNvPr id="4" name="Table 4">
+            <a:extLst>
+              <a:ext uri="{FF2B5EF4-FFF2-40B4-BE49-F238E27FC236}">
+                <a16:creationId xmlns:a16="http://schemas.microsoft.com/office/drawing/2014/main" id="{F7A78018-4F19-4FC8-90D3-60D56F388AE9}"/>
+              </a:ext>
+            </a:extLst>
+          </p:cNvPr>
+          <p:cNvGraphicFramePr>
+            <a:graphicFrameLocks noGrp="1"/>
+          </p:cNvGraphicFramePr>
+          <p:nvPr>
+            <p:extLst>
+              <p:ext uri="{D42A27DB-BD31-4B8C-83A1-F6EECF244321}">
+                <p14:modId xmlns:p14="http://schemas.microsoft.com/office/powerpoint/2010/main" val="3599243123"/>
+              </p:ext>
+            </p:extLst>
+          </p:nvPr>
+        </p:nvGraphicFramePr>
+        <p:xfrm>
+          <a:off x="1872773" y="1800920"/>
+          <a:ext cx="8128002" cy="1112520"/>
+        </p:xfrm>
+        <a:graphic>
+          <a:graphicData uri="http://schemas.openxmlformats.org/drawingml/2006/table">
+            <a:tbl>
+              <a:tblPr firstRow="1" bandRow="1">
+                <a:tableStyleId>{5C22544A-7EE6-4342-B048-85BDC9FD1C3A}</a:tableStyleId>
+              </a:tblPr>
+              <a:tblGrid>
+                <a:gridCol w="1647071">
+                  <a:extLst>
+                    <a:ext uri="{9D8B030D-6E8A-4147-A177-3AD203B41FA5}">
+                      <a16:colId xmlns:a16="http://schemas.microsoft.com/office/drawing/2014/main" val="2377899406"/>
+                    </a:ext>
+                  </a:extLst>
+                </a:gridCol>
+                <a:gridCol w="1062263">
+                  <a:extLst>
+                    <a:ext uri="{9D8B030D-6E8A-4147-A177-3AD203B41FA5}">
+                      <a16:colId xmlns:a16="http://schemas.microsoft.com/office/drawing/2014/main" val="3233862682"/>
+                    </a:ext>
+                  </a:extLst>
+                </a:gridCol>
+                <a:gridCol w="1354667">
+                  <a:extLst>
+                    <a:ext uri="{9D8B030D-6E8A-4147-A177-3AD203B41FA5}">
+                      <a16:colId xmlns:a16="http://schemas.microsoft.com/office/drawing/2014/main" val="2324755042"/>
+                    </a:ext>
+                  </a:extLst>
+                </a:gridCol>
+                <a:gridCol w="1354667">
+                  <a:extLst>
+                    <a:ext uri="{9D8B030D-6E8A-4147-A177-3AD203B41FA5}">
+                      <a16:colId xmlns:a16="http://schemas.microsoft.com/office/drawing/2014/main" val="2710262570"/>
+                    </a:ext>
+                  </a:extLst>
+                </a:gridCol>
+                <a:gridCol w="1354667">
+                  <a:extLst>
+                    <a:ext uri="{9D8B030D-6E8A-4147-A177-3AD203B41FA5}">
+                      <a16:colId xmlns:a16="http://schemas.microsoft.com/office/drawing/2014/main" val="4127503388"/>
+                    </a:ext>
+                  </a:extLst>
+                </a:gridCol>
+                <a:gridCol w="1354667">
+                  <a:extLst>
+                    <a:ext uri="{9D8B030D-6E8A-4147-A177-3AD203B41FA5}">
+                      <a16:colId xmlns:a16="http://schemas.microsoft.com/office/drawing/2014/main" val="3353565807"/>
+                    </a:ext>
+                  </a:extLst>
+                </a:gridCol>
+              </a:tblGrid>
+              <a:tr h="370840">
+                <a:tc>
+                  <a:txBody>
+                    <a:bodyPr/>
+                    <a:lstStyle/>
+                    <a:p>
+                      <a:endParaRPr lang="en-US" dirty="0"/>
+                    </a:p>
+                  </a:txBody>
+                  <a:tcPr>
+                    <a:lnL w="12700" cmpd="sng">
+                      <a:noFill/>
+                    </a:lnL>
+                    <a:lnR w="12700" cmpd="sng">
+                      <a:noFill/>
+                    </a:lnR>
+                    <a:lnT w="12700" cmpd="sng">
+                      <a:noFill/>
+                    </a:lnT>
+                    <a:lnB w="12700" cap="flat" cmpd="sng" algn="ctr">
+                      <a:noFill/>
+                      <a:prstDash val="solid"/>
+                      <a:round/>
+                      <a:headEnd type="none" w="med" len="med"/>
+                      <a:tailEnd type="none" w="med" len="med"/>
+                    </a:lnB>
+                    <a:lnTlToBr w="12700" cmpd="sng">
+                      <a:noFill/>
+                      <a:prstDash val="solid"/>
+                    </a:lnTlToBr>
+                    <a:lnBlToTr w="12700" cmpd="sng">
+                      <a:noFill/>
+                      <a:prstDash val="solid"/>
+                    </a:lnBlToTr>
+                    <a:noFill/>
+                  </a:tcPr>
+                </a:tc>
+                <a:tc>
+                  <a:txBody>
+                    <a:bodyPr/>
+                    <a:lstStyle/>
+                    <a:p>
+                      <a:pPr algn="ctr"/>
+                      <a:r>
+                        <a:rPr lang="en-US" dirty="0">
+                          <a:solidFill>
+                            <a:schemeClr val="tx1"/>
+                          </a:solidFill>
+                        </a:rPr>
+                        <a:t>CAC</a:t>
+                      </a:r>
+                      <a:endParaRPr lang="en-US" dirty="0"/>
+                    </a:p>
+                  </a:txBody>
+                  <a:tcPr>
+                    <a:lnL w="12700" cmpd="sng">
+                      <a:noFill/>
+                    </a:lnL>
+                    <a:lnR w="12700" cmpd="sng">
+                      <a:noFill/>
+                    </a:lnR>
+                    <a:lnT w="12700" cmpd="sng">
+                      <a:noFill/>
+                    </a:lnT>
+                    <a:lnB w="38100" cmpd="sng">
+                      <a:noFill/>
+                    </a:lnB>
+                    <a:lnTlToBr w="12700" cmpd="sng">
+                      <a:noFill/>
+                      <a:prstDash val="solid"/>
+                    </a:lnTlToBr>
+                    <a:lnBlToTr w="12700" cmpd="sng">
+                      <a:noFill/>
+                      <a:prstDash val="solid"/>
+                    </a:lnBlToTr>
+                    <a:solidFill>
+                      <a:schemeClr val="bg1"/>
+                    </a:solidFill>
+                  </a:tcPr>
+                </a:tc>
+                <a:tc>
+                  <a:txBody>
+                    <a:bodyPr/>
+                    <a:lstStyle/>
+                    <a:p>
+                      <a:pPr algn="ctr"/>
+                      <a:r>
+                        <a:rPr lang="en-US" dirty="0">
+                          <a:solidFill>
+                            <a:schemeClr val="tx1"/>
+                          </a:solidFill>
+                        </a:rPr>
+                        <a:t>FTSE</a:t>
+                      </a:r>
+                    </a:p>
+                  </a:txBody>
+                  <a:tcPr>
+                    <a:lnL w="12700" cmpd="sng">
+                      <a:noFill/>
+                    </a:lnL>
+                    <a:lnR w="12700" cmpd="sng">
+                      <a:noFill/>
+                    </a:lnR>
+                    <a:lnT w="12700" cmpd="sng">
+                      <a:noFill/>
+                    </a:lnT>
+                    <a:lnB w="38100" cmpd="sng">
+                      <a:noFill/>
+                    </a:lnB>
+                    <a:lnTlToBr w="12700" cmpd="sng">
+                      <a:noFill/>
+                      <a:prstDash val="solid"/>
+                    </a:lnTlToBr>
+                    <a:lnBlToTr w="12700" cmpd="sng">
+                      <a:noFill/>
+                      <a:prstDash val="solid"/>
+                    </a:lnBlToTr>
+                    <a:solidFill>
+                      <a:schemeClr val="bg1"/>
+                    </a:solidFill>
+                  </a:tcPr>
+                </a:tc>
+                <a:tc>
+                  <a:txBody>
+                    <a:bodyPr/>
+                    <a:lstStyle/>
+                    <a:p>
+                      <a:pPr algn="ctr"/>
+                      <a:r>
+                        <a:rPr lang="en-US" dirty="0">
+                          <a:solidFill>
+                            <a:schemeClr val="tx1"/>
+                          </a:solidFill>
+                        </a:rPr>
+                        <a:t>MDAX</a:t>
+                      </a:r>
+                    </a:p>
+                  </a:txBody>
+                  <a:tcPr>
+                    <a:lnL w="12700" cmpd="sng">
+                      <a:noFill/>
+                    </a:lnL>
+                    <a:lnR w="12700" cmpd="sng">
+                      <a:noFill/>
+                    </a:lnR>
+                    <a:lnT w="12700" cmpd="sng">
+                      <a:noFill/>
+                    </a:lnT>
+                    <a:lnB w="38100" cmpd="sng">
+                      <a:noFill/>
+                    </a:lnB>
+                    <a:lnTlToBr w="12700" cmpd="sng">
+                      <a:noFill/>
+                      <a:prstDash val="solid"/>
+                    </a:lnTlToBr>
+                    <a:lnBlToTr w="12700" cmpd="sng">
+                      <a:noFill/>
+                      <a:prstDash val="solid"/>
+                    </a:lnBlToTr>
+                    <a:solidFill>
+                      <a:schemeClr val="bg1"/>
+                    </a:solidFill>
+                  </a:tcPr>
+                </a:tc>
+                <a:tc>
+                  <a:txBody>
+                    <a:bodyPr/>
+                    <a:lstStyle/>
+                    <a:p>
+                      <a:pPr algn="ctr"/>
+                      <a:r>
+                        <a:rPr lang="en-US" dirty="0">
+                          <a:solidFill>
+                            <a:schemeClr val="tx1"/>
+                          </a:solidFill>
+                        </a:rPr>
+                        <a:t>S&amp;P 500</a:t>
+                      </a:r>
+                    </a:p>
+                  </a:txBody>
+                  <a:tcPr>
+                    <a:lnL w="12700" cmpd="sng">
+                      <a:noFill/>
+                    </a:lnL>
+                    <a:lnR w="12700" cmpd="sng">
+                      <a:noFill/>
+                    </a:lnR>
+                    <a:lnT w="12700" cmpd="sng">
+                      <a:noFill/>
+                    </a:lnT>
+                    <a:lnB w="38100" cmpd="sng">
+                      <a:noFill/>
+                    </a:lnB>
+                    <a:lnTlToBr w="12700" cmpd="sng">
+                      <a:noFill/>
+                      <a:prstDash val="solid"/>
+                    </a:lnTlToBr>
+                    <a:lnBlToTr w="12700" cmpd="sng">
+                      <a:noFill/>
+                      <a:prstDash val="solid"/>
+                    </a:lnBlToTr>
+                    <a:solidFill>
+                      <a:schemeClr val="bg1"/>
+                    </a:solidFill>
+                  </a:tcPr>
+                </a:tc>
+                <a:tc>
+                  <a:txBody>
+                    <a:bodyPr/>
+                    <a:lstStyle/>
+                    <a:p>
+                      <a:pPr algn="ctr"/>
+                      <a:r>
+                        <a:rPr lang="en-US" dirty="0">
+                          <a:solidFill>
+                            <a:schemeClr val="tx1"/>
+                          </a:solidFill>
+                        </a:rPr>
+                        <a:t>TOPIX</a:t>
+                      </a:r>
+                    </a:p>
+                  </a:txBody>
+                  <a:tcPr>
+                    <a:lnL w="12700" cmpd="sng">
+                      <a:noFill/>
+                    </a:lnL>
+                    <a:lnR w="12700" cmpd="sng">
+                      <a:noFill/>
+                    </a:lnR>
+                    <a:lnT w="12700" cmpd="sng">
+                      <a:noFill/>
+                    </a:lnT>
+                    <a:lnB w="38100" cmpd="sng">
+                      <a:noFill/>
+                    </a:lnB>
+                    <a:lnTlToBr w="12700" cmpd="sng">
+                      <a:noFill/>
+                      <a:prstDash val="solid"/>
+                    </a:lnTlToBr>
+                    <a:lnBlToTr w="12700" cmpd="sng">
+                      <a:noFill/>
+                      <a:prstDash val="solid"/>
+                    </a:lnBlToTr>
+                    <a:solidFill>
+                      <a:schemeClr val="bg1"/>
+                    </a:solidFill>
+                  </a:tcPr>
+                </a:tc>
+                <a:extLst>
+                  <a:ext uri="{0D108BD9-81ED-4DB2-BD59-A6C34878D82A}">
+                    <a16:rowId xmlns:a16="http://schemas.microsoft.com/office/drawing/2014/main" val="1706773216"/>
+                  </a:ext>
+                </a:extLst>
+              </a:tr>
+              <a:tr h="370840">
+                <a:tc>
+                  <a:txBody>
+                    <a:bodyPr/>
+                    <a:lstStyle/>
+                    <a:p>
+                      <a:pPr algn="r"/>
+                      <a:r>
+                        <a:rPr lang="en-US" dirty="0"/>
+                        <a:t>Close</a:t>
+                      </a:r>
+                    </a:p>
+                  </a:txBody>
+                  <a:tcPr>
+                    <a:lnL w="12700" cap="flat" cmpd="sng" algn="ctr">
+                      <a:noFill/>
+                      <a:prstDash val="solid"/>
+                      <a:round/>
+                      <a:headEnd type="none" w="med" len="med"/>
+                      <a:tailEnd type="none" w="med" len="med"/>
+                    </a:lnL>
+                    <a:lnR w="12700" cap="flat" cmpd="sng" algn="ctr">
+                      <a:noFill/>
+                      <a:prstDash val="solid"/>
+                      <a:round/>
+                      <a:headEnd type="none" w="med" len="med"/>
+                      <a:tailEnd type="none" w="med" len="med"/>
+                    </a:lnR>
+                    <a:lnT w="12700" cap="flat" cmpd="sng" algn="ctr">
+                      <a:noFill/>
+                      <a:prstDash val="solid"/>
+                      <a:round/>
+                      <a:headEnd type="none" w="med" len="med"/>
+                      <a:tailEnd type="none" w="med" len="med"/>
+                    </a:lnT>
+                    <a:lnB w="12700" cap="flat" cmpd="sng" algn="ctr">
+                      <a:noFill/>
+                      <a:prstDash val="solid"/>
+                      <a:round/>
+                      <a:headEnd type="none" w="med" len="med"/>
+                      <a:tailEnd type="none" w="med" len="med"/>
+                    </a:lnB>
+                    <a:lnTlToBr w="12700" cmpd="sng">
+                      <a:noFill/>
+                      <a:prstDash val="solid"/>
+                    </a:lnTlToBr>
+                    <a:lnBlToTr w="12700" cmpd="sng">
+                      <a:noFill/>
+                      <a:prstDash val="solid"/>
+                    </a:lnBlToTr>
+                    <a:solidFill>
+                      <a:schemeClr val="bg1"/>
+                    </a:solidFill>
+                  </a:tcPr>
+                </a:tc>
+                <a:tc>
+                  <a:txBody>
+                    <a:bodyPr/>
+                    <a:lstStyle/>
+                    <a:p>
+                      <a:pPr algn="r"/>
+                      <a:r>
+                        <a:rPr lang="en-US" dirty="0"/>
+                        <a:t>0.1195</a:t>
+                      </a:r>
+                    </a:p>
+                  </a:txBody>
+                  <a:tcPr>
+                    <a:lnL w="12700" cap="flat" cmpd="sng" algn="ctr">
+                      <a:noFill/>
+                      <a:prstDash val="solid"/>
+                      <a:round/>
+                      <a:headEnd type="none" w="med" len="med"/>
+                      <a:tailEnd type="none" w="med" len="med"/>
+                    </a:lnL>
+                    <a:lnR w="12700" cmpd="sng">
+                      <a:noFill/>
+                    </a:lnR>
+                    <a:lnT w="38100" cmpd="sng">
+                      <a:noFill/>
+                    </a:lnT>
+                    <a:lnB w="12700" cmpd="sng">
+                      <a:noFill/>
+                    </a:lnB>
+                    <a:lnTlToBr w="12700" cmpd="sng">
+                      <a:noFill/>
+                      <a:prstDash val="solid"/>
+                    </a:lnTlToBr>
+                    <a:lnBlToTr w="12700" cmpd="sng">
+                      <a:noFill/>
+                      <a:prstDash val="solid"/>
+                    </a:lnBlToTr>
+                    <a:solidFill>
+                      <a:schemeClr val="accent6">
+                        <a:lumMod val="20000"/>
+                        <a:lumOff val="80000"/>
+                      </a:schemeClr>
+                    </a:solidFill>
+                  </a:tcPr>
+                </a:tc>
+                <a:tc>
+                  <a:txBody>
+                    <a:bodyPr/>
+                    <a:lstStyle/>
+                    <a:p>
+                      <a:pPr algn="r"/>
+                      <a:r>
+                        <a:rPr lang="en-US" dirty="0"/>
+                        <a:t>0.1677</a:t>
+                      </a:r>
+                    </a:p>
+                  </a:txBody>
+                  <a:tcPr>
+                    <a:lnL w="12700" cmpd="sng">
+                      <a:noFill/>
+                    </a:lnL>
+                    <a:lnR w="12700" cmpd="sng">
+                      <a:noFill/>
+                    </a:lnR>
+                    <a:lnT w="38100" cmpd="sng">
+                      <a:noFill/>
+                    </a:lnT>
+                    <a:lnB w="12700" cmpd="sng">
+                      <a:noFill/>
+                    </a:lnB>
+                    <a:lnTlToBr w="12700" cmpd="sng">
+                      <a:noFill/>
+                      <a:prstDash val="solid"/>
+                    </a:lnTlToBr>
+                    <a:lnBlToTr w="12700" cmpd="sng">
+                      <a:noFill/>
+                      <a:prstDash val="solid"/>
+                    </a:lnBlToTr>
+                    <a:solidFill>
+                      <a:schemeClr val="accent6">
+                        <a:lumMod val="20000"/>
+                        <a:lumOff val="80000"/>
+                      </a:schemeClr>
+                    </a:solidFill>
+                  </a:tcPr>
+                </a:tc>
+                <a:tc>
+                  <a:txBody>
+                    <a:bodyPr/>
+                    <a:lstStyle/>
+                    <a:p>
+                      <a:pPr algn="r"/>
+                      <a:r>
+                        <a:rPr lang="en-US" dirty="0"/>
+                        <a:t>0.1335</a:t>
+                      </a:r>
+                    </a:p>
+                  </a:txBody>
+                  <a:tcPr>
+                    <a:lnL w="12700" cmpd="sng">
+                      <a:noFill/>
+                    </a:lnL>
+                    <a:lnR w="12700" cmpd="sng">
+                      <a:noFill/>
+                    </a:lnR>
+                    <a:lnT w="38100" cmpd="sng">
+                      <a:noFill/>
+                    </a:lnT>
+                    <a:lnB w="12700" cmpd="sng">
+                      <a:noFill/>
+                    </a:lnB>
+                    <a:lnTlToBr w="12700" cmpd="sng">
+                      <a:noFill/>
+                      <a:prstDash val="solid"/>
+                    </a:lnTlToBr>
+                    <a:lnBlToTr w="12700" cmpd="sng">
+                      <a:noFill/>
+                      <a:prstDash val="solid"/>
+                    </a:lnBlToTr>
+                    <a:solidFill>
+                      <a:schemeClr val="accent6">
+                        <a:lumMod val="20000"/>
+                        <a:lumOff val="80000"/>
+                      </a:schemeClr>
+                    </a:solidFill>
+                  </a:tcPr>
+                </a:tc>
+                <a:tc>
+                  <a:txBody>
+                    <a:bodyPr/>
+                    <a:lstStyle/>
+                    <a:p>
+                      <a:pPr algn="r"/>
+                      <a:r>
+                        <a:rPr lang="en-US" dirty="0"/>
+                        <a:t>0.2237</a:t>
+                      </a:r>
+                    </a:p>
+                  </a:txBody>
+                  <a:tcPr>
+                    <a:lnL w="12700" cmpd="sng">
+                      <a:noFill/>
+                    </a:lnL>
+                    <a:lnR w="12700" cmpd="sng">
+                      <a:noFill/>
+                    </a:lnR>
+                    <a:lnT w="38100" cmpd="sng">
+                      <a:noFill/>
+                    </a:lnT>
+                    <a:lnB w="12700" cmpd="sng">
+                      <a:noFill/>
+                    </a:lnB>
+                    <a:lnTlToBr w="12700" cmpd="sng">
+                      <a:noFill/>
+                      <a:prstDash val="solid"/>
+                    </a:lnTlToBr>
+                    <a:lnBlToTr w="12700" cmpd="sng">
+                      <a:noFill/>
+                      <a:prstDash val="solid"/>
+                    </a:lnBlToTr>
+                    <a:solidFill>
+                      <a:schemeClr val="accent6">
+                        <a:lumMod val="20000"/>
+                        <a:lumOff val="80000"/>
+                      </a:schemeClr>
+                    </a:solidFill>
+                  </a:tcPr>
+                </a:tc>
+                <a:tc>
+                  <a:txBody>
+                    <a:bodyPr/>
+                    <a:lstStyle/>
+                    <a:p>
+                      <a:pPr algn="r"/>
+                      <a:r>
+                        <a:rPr lang="en-US" dirty="0"/>
+                        <a:t>0.2036</a:t>
+                      </a:r>
+                    </a:p>
+                  </a:txBody>
+                  <a:tcPr>
+                    <a:lnL w="12700" cmpd="sng">
+                      <a:noFill/>
+                    </a:lnL>
+                    <a:lnR w="12700" cmpd="sng">
+                      <a:noFill/>
+                    </a:lnR>
+                    <a:lnT w="38100" cmpd="sng">
+                      <a:noFill/>
+                    </a:lnT>
+                    <a:lnB w="12700" cmpd="sng">
+                      <a:noFill/>
+                    </a:lnB>
+                    <a:lnTlToBr w="12700" cmpd="sng">
+                      <a:noFill/>
+                      <a:prstDash val="solid"/>
+                    </a:lnTlToBr>
+                    <a:lnBlToTr w="12700" cmpd="sng">
+                      <a:noFill/>
+                      <a:prstDash val="solid"/>
+                    </a:lnBlToTr>
+                    <a:solidFill>
+                      <a:schemeClr val="accent6">
+                        <a:lumMod val="20000"/>
+                        <a:lumOff val="80000"/>
+                      </a:schemeClr>
+                    </a:solidFill>
+                  </a:tcPr>
+                </a:tc>
+                <a:extLst>
+                  <a:ext uri="{0D108BD9-81ED-4DB2-BD59-A6C34878D82A}">
+                    <a16:rowId xmlns:a16="http://schemas.microsoft.com/office/drawing/2014/main" val="2051532277"/>
+                  </a:ext>
+                </a:extLst>
+              </a:tr>
+              <a:tr h="370840">
+                <a:tc>
+                  <a:txBody>
+                    <a:bodyPr/>
+                    <a:lstStyle/>
+                    <a:p>
+                      <a:pPr algn="r"/>
+                      <a:r>
+                        <a:rPr lang="en-US" dirty="0"/>
+                        <a:t>Percent Change</a:t>
+                      </a:r>
+                    </a:p>
+                  </a:txBody>
+                  <a:tcPr>
+                    <a:lnL w="12700" cmpd="sng">
+                      <a:noFill/>
+                    </a:lnL>
+                    <a:lnR w="12700" cmpd="sng">
+                      <a:noFill/>
+                    </a:lnR>
+                    <a:lnT w="12700" cap="flat" cmpd="sng" algn="ctr">
+                      <a:noFill/>
+                      <a:prstDash val="solid"/>
+                      <a:round/>
+                      <a:headEnd type="none" w="med" len="med"/>
+                      <a:tailEnd type="none" w="med" len="med"/>
+                    </a:lnT>
+                    <a:lnB w="12700" cmpd="sng">
+                      <a:noFill/>
+                    </a:lnB>
+                    <a:lnTlToBr w="12700" cmpd="sng">
+                      <a:noFill/>
+                      <a:prstDash val="solid"/>
+                    </a:lnTlToBr>
+                    <a:lnBlToTr w="12700" cmpd="sng">
+                      <a:noFill/>
+                      <a:prstDash val="solid"/>
+                    </a:lnBlToTr>
+                    <a:solidFill>
+                      <a:schemeClr val="bg1"/>
+                    </a:solidFill>
+                  </a:tcPr>
+                </a:tc>
+                <a:tc>
+                  <a:txBody>
+                    <a:bodyPr/>
+                    <a:lstStyle/>
+                    <a:p>
+                      <a:pPr algn="r"/>
+                      <a:r>
+                        <a:rPr lang="en-US" dirty="0"/>
+                        <a:t>0.0417</a:t>
+                      </a:r>
+                    </a:p>
+                  </a:txBody>
+                  <a:tcPr>
+                    <a:lnL w="12700" cmpd="sng">
+                      <a:noFill/>
+                    </a:lnL>
+                    <a:lnR w="12700" cmpd="sng">
+                      <a:noFill/>
+                    </a:lnR>
+                    <a:lnT w="12700" cmpd="sng">
+                      <a:noFill/>
+                    </a:lnT>
+                    <a:lnB w="12700" cmpd="sng">
+                      <a:noFill/>
+                    </a:lnB>
+                    <a:lnTlToBr w="12700" cmpd="sng">
+                      <a:noFill/>
+                      <a:prstDash val="solid"/>
+                    </a:lnTlToBr>
+                    <a:lnBlToTr w="12700" cmpd="sng">
+                      <a:noFill/>
+                      <a:prstDash val="solid"/>
+                    </a:lnBlToTr>
+                    <a:solidFill>
+                      <a:schemeClr val="accent6">
+                        <a:lumMod val="20000"/>
+                        <a:lumOff val="80000"/>
+                      </a:schemeClr>
+                    </a:solidFill>
+                  </a:tcPr>
+                </a:tc>
+                <a:tc>
+                  <a:txBody>
+                    <a:bodyPr/>
+                    <a:lstStyle/>
+                    <a:p>
+                      <a:pPr algn="r"/>
+                      <a:r>
+                        <a:rPr lang="en-US" dirty="0"/>
+                        <a:t>0.0213</a:t>
+                      </a:r>
+                    </a:p>
+                  </a:txBody>
+                  <a:tcPr>
+                    <a:lnL w="12700" cmpd="sng">
+                      <a:noFill/>
+                    </a:lnL>
+                    <a:lnR w="12700" cmpd="sng">
+                      <a:noFill/>
+                    </a:lnR>
+                    <a:lnT w="12700" cmpd="sng">
+                      <a:noFill/>
+                    </a:lnT>
+                    <a:lnB w="12700" cmpd="sng">
+                      <a:noFill/>
+                    </a:lnB>
+                    <a:lnTlToBr w="12700" cmpd="sng">
+                      <a:noFill/>
+                      <a:prstDash val="solid"/>
+                    </a:lnTlToBr>
+                    <a:lnBlToTr w="12700" cmpd="sng">
+                      <a:noFill/>
+                      <a:prstDash val="solid"/>
+                    </a:lnBlToTr>
+                    <a:solidFill>
+                      <a:schemeClr val="accent6">
+                        <a:lumMod val="20000"/>
+                        <a:lumOff val="80000"/>
+                      </a:schemeClr>
+                    </a:solidFill>
+                  </a:tcPr>
+                </a:tc>
+                <a:tc>
+                  <a:txBody>
+                    <a:bodyPr/>
+                    <a:lstStyle/>
+                    <a:p>
+                      <a:pPr algn="r"/>
+                      <a:r>
+                        <a:rPr lang="en-US" dirty="0"/>
+                        <a:t>0.0197</a:t>
+                      </a:r>
+                    </a:p>
+                  </a:txBody>
+                  <a:tcPr>
+                    <a:lnL w="12700" cmpd="sng">
+                      <a:noFill/>
+                    </a:lnL>
+                    <a:lnR w="12700" cmpd="sng">
+                      <a:noFill/>
+                    </a:lnR>
+                    <a:lnT w="12700" cmpd="sng">
+                      <a:noFill/>
+                    </a:lnT>
+                    <a:lnB w="12700" cmpd="sng">
+                      <a:noFill/>
+                    </a:lnB>
+                    <a:lnTlToBr w="12700" cmpd="sng">
+                      <a:noFill/>
+                      <a:prstDash val="solid"/>
+                    </a:lnTlToBr>
+                    <a:lnBlToTr w="12700" cmpd="sng">
+                      <a:noFill/>
+                      <a:prstDash val="solid"/>
+                    </a:lnBlToTr>
+                    <a:solidFill>
+                      <a:schemeClr val="accent6">
+                        <a:lumMod val="20000"/>
+                        <a:lumOff val="80000"/>
+                      </a:schemeClr>
+                    </a:solidFill>
+                  </a:tcPr>
+                </a:tc>
+                <a:tc>
+                  <a:txBody>
+                    <a:bodyPr/>
+                    <a:lstStyle/>
+                    <a:p>
+                      <a:pPr algn="r"/>
+                      <a:r>
+                        <a:rPr lang="en-US" dirty="0"/>
+                        <a:t>0.0154</a:t>
+                      </a:r>
+                    </a:p>
+                  </a:txBody>
+                  <a:tcPr>
+                    <a:lnL w="12700" cmpd="sng">
+                      <a:noFill/>
+                    </a:lnL>
+                    <a:lnR w="12700" cmpd="sng">
+                      <a:noFill/>
+                    </a:lnR>
+                    <a:lnT w="12700" cmpd="sng">
+                      <a:noFill/>
+                    </a:lnT>
+                    <a:lnB w="12700" cmpd="sng">
+                      <a:noFill/>
+                    </a:lnB>
+                    <a:lnTlToBr w="12700" cmpd="sng">
+                      <a:noFill/>
+                      <a:prstDash val="solid"/>
+                    </a:lnTlToBr>
+                    <a:lnBlToTr w="12700" cmpd="sng">
+                      <a:noFill/>
+                      <a:prstDash val="solid"/>
+                    </a:lnBlToTr>
+                    <a:solidFill>
+                      <a:schemeClr val="accent6">
+                        <a:lumMod val="20000"/>
+                        <a:lumOff val="80000"/>
+                      </a:schemeClr>
+                    </a:solidFill>
+                  </a:tcPr>
+                </a:tc>
+                <a:tc>
+                  <a:txBody>
+                    <a:bodyPr/>
+                    <a:lstStyle/>
+                    <a:p>
+                      <a:pPr algn="r"/>
+                      <a:r>
+                        <a:rPr lang="en-US"/>
+                        <a:t>0.0224</a:t>
+                      </a:r>
+                      <a:endParaRPr lang="en-US" dirty="0"/>
+                    </a:p>
+                  </a:txBody>
+                  <a:tcPr>
+                    <a:lnL w="12700" cmpd="sng">
+                      <a:noFill/>
+                    </a:lnL>
+                    <a:lnR w="12700" cmpd="sng">
+                      <a:noFill/>
+                    </a:lnR>
+                    <a:lnT w="12700" cmpd="sng">
+                      <a:noFill/>
+                    </a:lnT>
+                    <a:lnB w="12700" cmpd="sng">
+                      <a:noFill/>
+                    </a:lnB>
+                    <a:lnTlToBr w="12700" cmpd="sng">
+                      <a:noFill/>
+                      <a:prstDash val="solid"/>
+                    </a:lnTlToBr>
+                    <a:lnBlToTr w="12700" cmpd="sng">
+                      <a:noFill/>
+                      <a:prstDash val="solid"/>
+                    </a:lnBlToTr>
+                    <a:solidFill>
+                      <a:schemeClr val="accent6">
+                        <a:lumMod val="20000"/>
+                        <a:lumOff val="80000"/>
+                      </a:schemeClr>
+                    </a:solidFill>
+                  </a:tcPr>
+                </a:tc>
+                <a:extLst>
+                  <a:ext uri="{0D108BD9-81ED-4DB2-BD59-A6C34878D82A}">
+                    <a16:rowId xmlns:a16="http://schemas.microsoft.com/office/drawing/2014/main" val="4022879242"/>
+                  </a:ext>
+                </a:extLst>
+              </a:tr>
+            </a:tbl>
+          </a:graphicData>
+        </a:graphic>
+      </p:graphicFrame>
+      <p:graphicFrame>
+        <p:nvGraphicFramePr>
+          <p:cNvPr id="6" name="Table 4">
+            <a:extLst>
+              <a:ext uri="{FF2B5EF4-FFF2-40B4-BE49-F238E27FC236}">
+                <a16:creationId xmlns:a16="http://schemas.microsoft.com/office/drawing/2014/main" id="{9A3BFE76-7B96-4E89-B9FA-258FB0A74CC4}"/>
+              </a:ext>
+            </a:extLst>
+          </p:cNvPr>
+          <p:cNvGraphicFramePr>
+            <a:graphicFrameLocks noGrp="1"/>
+          </p:cNvGraphicFramePr>
+          <p:nvPr>
+            <p:extLst>
+              <p:ext uri="{D42A27DB-BD31-4B8C-83A1-F6EECF244321}">
+                <p14:modId xmlns:p14="http://schemas.microsoft.com/office/powerpoint/2010/main" val="1747525058"/>
+              </p:ext>
+            </p:extLst>
+          </p:nvPr>
+        </p:nvGraphicFramePr>
+        <p:xfrm>
+          <a:off x="1872772" y="3944560"/>
+          <a:ext cx="8128002" cy="1112520"/>
+        </p:xfrm>
+        <a:graphic>
+          <a:graphicData uri="http://schemas.openxmlformats.org/drawingml/2006/table">
+            <a:tbl>
+              <a:tblPr firstRow="1" bandRow="1">
+                <a:tableStyleId>{5C22544A-7EE6-4342-B048-85BDC9FD1C3A}</a:tableStyleId>
+              </a:tblPr>
+              <a:tblGrid>
+                <a:gridCol w="1647071">
+                  <a:extLst>
+                    <a:ext uri="{9D8B030D-6E8A-4147-A177-3AD203B41FA5}">
+                      <a16:colId xmlns:a16="http://schemas.microsoft.com/office/drawing/2014/main" val="2377899406"/>
+                    </a:ext>
+                  </a:extLst>
+                </a:gridCol>
+                <a:gridCol w="1062263">
+                  <a:extLst>
+                    <a:ext uri="{9D8B030D-6E8A-4147-A177-3AD203B41FA5}">
+                      <a16:colId xmlns:a16="http://schemas.microsoft.com/office/drawing/2014/main" val="3233862682"/>
+                    </a:ext>
+                  </a:extLst>
+                </a:gridCol>
+                <a:gridCol w="1354667">
+                  <a:extLst>
+                    <a:ext uri="{9D8B030D-6E8A-4147-A177-3AD203B41FA5}">
+                      <a16:colId xmlns:a16="http://schemas.microsoft.com/office/drawing/2014/main" val="2324755042"/>
+                    </a:ext>
+                  </a:extLst>
+                </a:gridCol>
+                <a:gridCol w="1354667">
+                  <a:extLst>
+                    <a:ext uri="{9D8B030D-6E8A-4147-A177-3AD203B41FA5}">
+                      <a16:colId xmlns:a16="http://schemas.microsoft.com/office/drawing/2014/main" val="2710262570"/>
+                    </a:ext>
+                  </a:extLst>
+                </a:gridCol>
+                <a:gridCol w="1354667">
+                  <a:extLst>
+                    <a:ext uri="{9D8B030D-6E8A-4147-A177-3AD203B41FA5}">
+                      <a16:colId xmlns:a16="http://schemas.microsoft.com/office/drawing/2014/main" val="4127503388"/>
+                    </a:ext>
+                  </a:extLst>
+                </a:gridCol>
+                <a:gridCol w="1354667">
+                  <a:extLst>
+                    <a:ext uri="{9D8B030D-6E8A-4147-A177-3AD203B41FA5}">
+                      <a16:colId xmlns:a16="http://schemas.microsoft.com/office/drawing/2014/main" val="3353565807"/>
+                    </a:ext>
+                  </a:extLst>
+                </a:gridCol>
+              </a:tblGrid>
+              <a:tr h="370840">
+                <a:tc>
+                  <a:txBody>
+                    <a:bodyPr/>
+                    <a:lstStyle/>
+                    <a:p>
+                      <a:endParaRPr lang="en-US" dirty="0"/>
+                    </a:p>
+                  </a:txBody>
+                  <a:tcPr>
+                    <a:lnL w="12700" cmpd="sng">
+                      <a:noFill/>
+                    </a:lnL>
+                    <a:lnR w="12700" cmpd="sng">
+                      <a:noFill/>
+                    </a:lnR>
+                    <a:lnT w="12700" cmpd="sng">
+                      <a:noFill/>
+                    </a:lnT>
+                    <a:lnB w="12700" cap="flat" cmpd="sng" algn="ctr">
+                      <a:noFill/>
+                      <a:prstDash val="solid"/>
+                      <a:round/>
+                      <a:headEnd type="none" w="med" len="med"/>
+                      <a:tailEnd type="none" w="med" len="med"/>
+                    </a:lnB>
+                    <a:lnTlToBr w="12700" cmpd="sng">
+                      <a:noFill/>
+                      <a:prstDash val="solid"/>
+                    </a:lnTlToBr>
+                    <a:lnBlToTr w="12700" cmpd="sng">
+                      <a:noFill/>
+                      <a:prstDash val="solid"/>
+                    </a:lnBlToTr>
+                    <a:noFill/>
+                  </a:tcPr>
+                </a:tc>
+                <a:tc>
+                  <a:txBody>
+                    <a:bodyPr/>
+                    <a:lstStyle/>
+                    <a:p>
+                      <a:pPr algn="ctr"/>
+                      <a:r>
+                        <a:rPr lang="en-US" dirty="0">
+                          <a:solidFill>
+                            <a:schemeClr val="tx1"/>
+                          </a:solidFill>
+                        </a:rPr>
+                        <a:t>CAC</a:t>
+                      </a:r>
+                      <a:endParaRPr lang="en-US" dirty="0"/>
+                    </a:p>
+                  </a:txBody>
+                  <a:tcPr>
+                    <a:lnL w="12700" cmpd="sng">
+                      <a:noFill/>
+                    </a:lnL>
+                    <a:lnR w="12700" cmpd="sng">
+                      <a:noFill/>
+                    </a:lnR>
+                    <a:lnT w="12700" cmpd="sng">
+                      <a:noFill/>
+                    </a:lnT>
+                    <a:lnB w="38100" cmpd="sng">
+                      <a:noFill/>
+                    </a:lnB>
+                    <a:lnTlToBr w="12700" cmpd="sng">
+                      <a:noFill/>
+                      <a:prstDash val="solid"/>
+                    </a:lnTlToBr>
+                    <a:lnBlToTr w="12700" cmpd="sng">
+                      <a:noFill/>
+                      <a:prstDash val="solid"/>
+                    </a:lnBlToTr>
+                    <a:solidFill>
+                      <a:schemeClr val="bg1"/>
+                    </a:solidFill>
+                  </a:tcPr>
+                </a:tc>
+                <a:tc>
+                  <a:txBody>
+                    <a:bodyPr/>
+                    <a:lstStyle/>
+                    <a:p>
+                      <a:pPr algn="ctr"/>
+                      <a:r>
+                        <a:rPr lang="en-US" dirty="0">
+                          <a:solidFill>
+                            <a:schemeClr val="tx1"/>
+                          </a:solidFill>
+                        </a:rPr>
+                        <a:t>FTSE</a:t>
+                      </a:r>
+                    </a:p>
+                  </a:txBody>
+                  <a:tcPr>
+                    <a:lnL w="12700" cmpd="sng">
+                      <a:noFill/>
+                    </a:lnL>
+                    <a:lnR w="12700" cmpd="sng">
+                      <a:noFill/>
+                    </a:lnR>
+                    <a:lnT w="12700" cmpd="sng">
+                      <a:noFill/>
+                    </a:lnT>
+                    <a:lnB w="38100" cmpd="sng">
+                      <a:noFill/>
+                    </a:lnB>
+                    <a:lnTlToBr w="12700" cmpd="sng">
+                      <a:noFill/>
+                      <a:prstDash val="solid"/>
+                    </a:lnTlToBr>
+                    <a:lnBlToTr w="12700" cmpd="sng">
+                      <a:noFill/>
+                      <a:prstDash val="solid"/>
+                    </a:lnBlToTr>
+                    <a:solidFill>
+                      <a:schemeClr val="bg1"/>
+                    </a:solidFill>
+                  </a:tcPr>
+                </a:tc>
+                <a:tc>
+                  <a:txBody>
+                    <a:bodyPr/>
+                    <a:lstStyle/>
+                    <a:p>
+                      <a:pPr algn="ctr"/>
+                      <a:r>
+                        <a:rPr lang="en-US" dirty="0">
+                          <a:solidFill>
+                            <a:schemeClr val="tx1"/>
+                          </a:solidFill>
+                        </a:rPr>
+                        <a:t>MDAX</a:t>
+                      </a:r>
+                    </a:p>
+                  </a:txBody>
+                  <a:tcPr>
+                    <a:lnL w="12700" cmpd="sng">
+                      <a:noFill/>
+                    </a:lnL>
+                    <a:lnR w="12700" cmpd="sng">
+                      <a:noFill/>
+                    </a:lnR>
+                    <a:lnT w="12700" cmpd="sng">
+                      <a:noFill/>
+                    </a:lnT>
+                    <a:lnB w="38100" cmpd="sng">
+                      <a:noFill/>
+                    </a:lnB>
+                    <a:lnTlToBr w="12700" cmpd="sng">
+                      <a:noFill/>
+                      <a:prstDash val="solid"/>
+                    </a:lnTlToBr>
+                    <a:lnBlToTr w="12700" cmpd="sng">
+                      <a:noFill/>
+                      <a:prstDash val="solid"/>
+                    </a:lnBlToTr>
+                    <a:solidFill>
+                      <a:schemeClr val="bg1"/>
+                    </a:solidFill>
+                  </a:tcPr>
+                </a:tc>
+                <a:tc>
+                  <a:txBody>
+                    <a:bodyPr/>
+                    <a:lstStyle/>
+                    <a:p>
+                      <a:pPr algn="ctr"/>
+                      <a:r>
+                        <a:rPr lang="en-US" dirty="0">
+                          <a:solidFill>
+                            <a:schemeClr val="tx1"/>
+                          </a:solidFill>
+                        </a:rPr>
+                        <a:t>S&amp;P 500</a:t>
+                      </a:r>
+                    </a:p>
+                  </a:txBody>
+                  <a:tcPr>
+                    <a:lnL w="12700" cmpd="sng">
+                      <a:noFill/>
+                    </a:lnL>
+                    <a:lnR w="12700" cmpd="sng">
+                      <a:noFill/>
+                    </a:lnR>
+                    <a:lnT w="12700" cmpd="sng">
+                      <a:noFill/>
+                    </a:lnT>
+                    <a:lnB w="38100" cmpd="sng">
+                      <a:noFill/>
+                    </a:lnB>
+                    <a:lnTlToBr w="12700" cmpd="sng">
+                      <a:noFill/>
+                      <a:prstDash val="solid"/>
+                    </a:lnTlToBr>
+                    <a:lnBlToTr w="12700" cmpd="sng">
+                      <a:noFill/>
+                      <a:prstDash val="solid"/>
+                    </a:lnBlToTr>
+                    <a:solidFill>
+                      <a:schemeClr val="bg1"/>
+                    </a:solidFill>
+                  </a:tcPr>
+                </a:tc>
+                <a:tc>
+                  <a:txBody>
+                    <a:bodyPr/>
+                    <a:lstStyle/>
+                    <a:p>
+                      <a:pPr algn="ctr"/>
+                      <a:r>
+                        <a:rPr lang="en-US" dirty="0">
+                          <a:solidFill>
+                            <a:schemeClr val="tx1"/>
+                          </a:solidFill>
+                        </a:rPr>
+                        <a:t>TOPIX</a:t>
+                      </a:r>
+                    </a:p>
+                  </a:txBody>
+                  <a:tcPr>
+                    <a:lnL w="12700" cmpd="sng">
+                      <a:noFill/>
+                    </a:lnL>
+                    <a:lnR w="12700" cmpd="sng">
+                      <a:noFill/>
+                    </a:lnR>
+                    <a:lnT w="12700" cmpd="sng">
+                      <a:noFill/>
+                    </a:lnT>
+                    <a:lnB w="38100" cmpd="sng">
+                      <a:noFill/>
+                    </a:lnB>
+                    <a:lnTlToBr w="12700" cmpd="sng">
+                      <a:noFill/>
+                      <a:prstDash val="solid"/>
+                    </a:lnTlToBr>
+                    <a:lnBlToTr w="12700" cmpd="sng">
+                      <a:noFill/>
+                      <a:prstDash val="solid"/>
+                    </a:lnBlToTr>
+                    <a:solidFill>
+                      <a:schemeClr val="bg1"/>
+                    </a:solidFill>
+                  </a:tcPr>
+                </a:tc>
+                <a:extLst>
+                  <a:ext uri="{0D108BD9-81ED-4DB2-BD59-A6C34878D82A}">
+                    <a16:rowId xmlns:a16="http://schemas.microsoft.com/office/drawing/2014/main" val="1706773216"/>
+                  </a:ext>
+                </a:extLst>
+              </a:tr>
+              <a:tr h="370840">
+                <a:tc>
+                  <a:txBody>
+                    <a:bodyPr/>
+                    <a:lstStyle/>
+                    <a:p>
+                      <a:pPr algn="r"/>
+                      <a:r>
+                        <a:rPr lang="en-US" dirty="0"/>
+                        <a:t>Close</a:t>
+                      </a:r>
+                    </a:p>
+                  </a:txBody>
+                  <a:tcPr>
+                    <a:lnL w="12700" cap="flat" cmpd="sng" algn="ctr">
+                      <a:noFill/>
+                      <a:prstDash val="solid"/>
+                      <a:round/>
+                      <a:headEnd type="none" w="med" len="med"/>
+                      <a:tailEnd type="none" w="med" len="med"/>
+                    </a:lnL>
+                    <a:lnR w="12700" cap="flat" cmpd="sng" algn="ctr">
+                      <a:noFill/>
+                      <a:prstDash val="solid"/>
+                      <a:round/>
+                      <a:headEnd type="none" w="med" len="med"/>
+                      <a:tailEnd type="none" w="med" len="med"/>
+                    </a:lnR>
+                    <a:lnT w="12700" cap="flat" cmpd="sng" algn="ctr">
+                      <a:noFill/>
+                      <a:prstDash val="solid"/>
+                      <a:round/>
+                      <a:headEnd type="none" w="med" len="med"/>
+                      <a:tailEnd type="none" w="med" len="med"/>
+                    </a:lnT>
+                    <a:lnB w="12700" cap="flat" cmpd="sng" algn="ctr">
+                      <a:noFill/>
+                      <a:prstDash val="solid"/>
+                      <a:round/>
+                      <a:headEnd type="none" w="med" len="med"/>
+                      <a:tailEnd type="none" w="med" len="med"/>
+                    </a:lnB>
+                    <a:lnTlToBr w="12700" cmpd="sng">
+                      <a:noFill/>
+                      <a:prstDash val="solid"/>
+                    </a:lnTlToBr>
+                    <a:lnBlToTr w="12700" cmpd="sng">
+                      <a:noFill/>
+                      <a:prstDash val="solid"/>
+                    </a:lnBlToTr>
+                    <a:solidFill>
+                      <a:schemeClr val="bg1"/>
+                    </a:solidFill>
+                  </a:tcPr>
+                </a:tc>
+                <a:tc>
+                  <a:txBody>
+                    <a:bodyPr/>
+                    <a:lstStyle/>
+                    <a:p>
+                      <a:pPr algn="r"/>
+                      <a:r>
+                        <a:rPr lang="en-US" dirty="0"/>
+                        <a:t>0.0690</a:t>
+                      </a:r>
+                    </a:p>
+                  </a:txBody>
+                  <a:tcPr>
+                    <a:lnL w="12700" cap="flat" cmpd="sng" algn="ctr">
+                      <a:noFill/>
+                      <a:prstDash val="solid"/>
+                      <a:round/>
+                      <a:headEnd type="none" w="med" len="med"/>
+                      <a:tailEnd type="none" w="med" len="med"/>
+                    </a:lnL>
+                    <a:lnR w="12700" cmpd="sng">
+                      <a:noFill/>
+                    </a:lnR>
+                    <a:lnT w="38100" cmpd="sng">
+                      <a:noFill/>
+                    </a:lnT>
+                    <a:lnB w="12700" cmpd="sng">
+                      <a:noFill/>
+                    </a:lnB>
+                    <a:lnTlToBr w="12700" cmpd="sng">
+                      <a:noFill/>
+                      <a:prstDash val="solid"/>
+                    </a:lnTlToBr>
+                    <a:lnBlToTr w="12700" cmpd="sng">
+                      <a:noFill/>
+                      <a:prstDash val="solid"/>
+                    </a:lnBlToTr>
+                    <a:solidFill>
+                      <a:schemeClr val="accent6">
+                        <a:lumMod val="20000"/>
+                        <a:lumOff val="80000"/>
+                      </a:schemeClr>
+                    </a:solidFill>
+                  </a:tcPr>
+                </a:tc>
+                <a:tc>
+                  <a:txBody>
+                    <a:bodyPr/>
+                    <a:lstStyle/>
+                    <a:p>
+                      <a:pPr algn="r"/>
+                      <a:r>
+                        <a:rPr lang="en-US" dirty="0"/>
+                        <a:t>0.0563</a:t>
+                      </a:r>
+                    </a:p>
+                  </a:txBody>
+                  <a:tcPr>
+                    <a:lnL w="12700" cmpd="sng">
+                      <a:noFill/>
+                    </a:lnL>
+                    <a:lnR w="12700" cmpd="sng">
+                      <a:noFill/>
+                    </a:lnR>
+                    <a:lnT w="38100" cmpd="sng">
+                      <a:noFill/>
+                    </a:lnT>
+                    <a:lnB w="12700" cmpd="sng">
+                      <a:noFill/>
+                    </a:lnB>
+                    <a:lnTlToBr w="12700" cmpd="sng">
+                      <a:noFill/>
+                      <a:prstDash val="solid"/>
+                    </a:lnTlToBr>
+                    <a:lnBlToTr w="12700" cmpd="sng">
+                      <a:noFill/>
+                      <a:prstDash val="solid"/>
+                    </a:lnBlToTr>
+                    <a:solidFill>
+                      <a:schemeClr val="accent6">
+                        <a:lumMod val="20000"/>
+                        <a:lumOff val="80000"/>
+                      </a:schemeClr>
+                    </a:solidFill>
+                  </a:tcPr>
+                </a:tc>
+                <a:tc>
+                  <a:txBody>
+                    <a:bodyPr/>
+                    <a:lstStyle/>
+                    <a:p>
+                      <a:pPr algn="r"/>
+                      <a:r>
+                        <a:rPr lang="en-US" dirty="0"/>
+                        <a:t>0.0879</a:t>
+                      </a:r>
+                    </a:p>
+                  </a:txBody>
+                  <a:tcPr>
+                    <a:lnL w="12700" cmpd="sng">
+                      <a:noFill/>
+                    </a:lnL>
+                    <a:lnR w="12700" cmpd="sng">
+                      <a:noFill/>
+                    </a:lnR>
+                    <a:lnT w="38100" cmpd="sng">
+                      <a:noFill/>
+                    </a:lnT>
+                    <a:lnB w="12700" cmpd="sng">
+                      <a:noFill/>
+                    </a:lnB>
+                    <a:lnTlToBr w="12700" cmpd="sng">
+                      <a:noFill/>
+                      <a:prstDash val="solid"/>
+                    </a:lnTlToBr>
+                    <a:lnBlToTr w="12700" cmpd="sng">
+                      <a:noFill/>
+                      <a:prstDash val="solid"/>
+                    </a:lnBlToTr>
+                    <a:solidFill>
+                      <a:schemeClr val="accent6">
+                        <a:lumMod val="20000"/>
+                        <a:lumOff val="80000"/>
+                      </a:schemeClr>
+                    </a:solidFill>
+                  </a:tcPr>
+                </a:tc>
+                <a:tc>
+                  <a:txBody>
+                    <a:bodyPr/>
+                    <a:lstStyle/>
+                    <a:p>
+                      <a:pPr algn="r"/>
+                      <a:r>
+                        <a:rPr lang="en-US" dirty="0"/>
+                        <a:t>0.1381</a:t>
+                      </a:r>
+                    </a:p>
+                  </a:txBody>
+                  <a:tcPr>
+                    <a:lnL w="12700" cmpd="sng">
+                      <a:noFill/>
+                    </a:lnL>
+                    <a:lnR w="12700" cmpd="sng">
+                      <a:noFill/>
+                    </a:lnR>
+                    <a:lnT w="38100" cmpd="sng">
+                      <a:noFill/>
+                    </a:lnT>
+                    <a:lnB w="12700" cmpd="sng">
+                      <a:noFill/>
+                    </a:lnB>
+                    <a:lnTlToBr w="12700" cmpd="sng">
+                      <a:noFill/>
+                      <a:prstDash val="solid"/>
+                    </a:lnTlToBr>
+                    <a:lnBlToTr w="12700" cmpd="sng">
+                      <a:noFill/>
+                      <a:prstDash val="solid"/>
+                    </a:lnBlToTr>
+                    <a:solidFill>
+                      <a:schemeClr val="accent6">
+                        <a:lumMod val="20000"/>
+                        <a:lumOff val="80000"/>
+                      </a:schemeClr>
+                    </a:solidFill>
+                  </a:tcPr>
+                </a:tc>
+                <a:tc>
+                  <a:txBody>
+                    <a:bodyPr/>
+                    <a:lstStyle/>
+                    <a:p>
+                      <a:pPr algn="r"/>
+                      <a:r>
+                        <a:rPr lang="en-US" dirty="0"/>
+                        <a:t>0.0832</a:t>
+                      </a:r>
+                    </a:p>
+                  </a:txBody>
+                  <a:tcPr>
+                    <a:lnL w="12700" cmpd="sng">
+                      <a:noFill/>
+                    </a:lnL>
+                    <a:lnR w="12700" cmpd="sng">
+                      <a:noFill/>
+                    </a:lnR>
+                    <a:lnT w="38100" cmpd="sng">
+                      <a:noFill/>
+                    </a:lnT>
+                    <a:lnB w="12700" cmpd="sng">
+                      <a:noFill/>
+                    </a:lnB>
+                    <a:lnTlToBr w="12700" cmpd="sng">
+                      <a:noFill/>
+                      <a:prstDash val="solid"/>
+                    </a:lnTlToBr>
+                    <a:lnBlToTr w="12700" cmpd="sng">
+                      <a:noFill/>
+                      <a:prstDash val="solid"/>
+                    </a:lnBlToTr>
+                    <a:solidFill>
+                      <a:schemeClr val="accent6">
+                        <a:lumMod val="20000"/>
+                        <a:lumOff val="80000"/>
+                      </a:schemeClr>
+                    </a:solidFill>
+                  </a:tcPr>
+                </a:tc>
+                <a:extLst>
+                  <a:ext uri="{0D108BD9-81ED-4DB2-BD59-A6C34878D82A}">
+                    <a16:rowId xmlns:a16="http://schemas.microsoft.com/office/drawing/2014/main" val="2051532277"/>
+                  </a:ext>
+                </a:extLst>
+              </a:tr>
+              <a:tr h="370840">
+                <a:tc>
+                  <a:txBody>
+                    <a:bodyPr/>
+                    <a:lstStyle/>
+                    <a:p>
+                      <a:pPr algn="r"/>
+                      <a:r>
+                        <a:rPr lang="en-US" dirty="0"/>
+                        <a:t>Percent Change</a:t>
+                      </a:r>
+                    </a:p>
+                  </a:txBody>
+                  <a:tcPr>
+                    <a:lnL w="12700" cmpd="sng">
+                      <a:noFill/>
+                    </a:lnL>
+                    <a:lnR w="12700" cmpd="sng">
+                      <a:noFill/>
+                    </a:lnR>
+                    <a:lnT w="12700" cap="flat" cmpd="sng" algn="ctr">
+                      <a:noFill/>
+                      <a:prstDash val="solid"/>
+                      <a:round/>
+                      <a:headEnd type="none" w="med" len="med"/>
+                      <a:tailEnd type="none" w="med" len="med"/>
+                    </a:lnT>
+                    <a:lnB w="12700" cmpd="sng">
+                      <a:noFill/>
+                    </a:lnB>
+                    <a:lnTlToBr w="12700" cmpd="sng">
+                      <a:noFill/>
+                      <a:prstDash val="solid"/>
+                    </a:lnTlToBr>
+                    <a:lnBlToTr w="12700" cmpd="sng">
+                      <a:noFill/>
+                      <a:prstDash val="solid"/>
+                    </a:lnBlToTr>
+                    <a:solidFill>
+                      <a:schemeClr val="bg1"/>
+                    </a:solidFill>
+                  </a:tcPr>
+                </a:tc>
+                <a:tc>
+                  <a:txBody>
+                    <a:bodyPr/>
+                    <a:lstStyle/>
+                    <a:p>
+                      <a:pPr algn="r"/>
+                      <a:r>
+                        <a:rPr lang="en-US" dirty="0"/>
+                        <a:t>0.0167</a:t>
+                      </a:r>
+                    </a:p>
+                  </a:txBody>
+                  <a:tcPr>
+                    <a:lnL w="12700" cmpd="sng">
+                      <a:noFill/>
+                    </a:lnL>
+                    <a:lnR w="12700" cmpd="sng">
+                      <a:noFill/>
+                    </a:lnR>
+                    <a:lnT w="12700" cmpd="sng">
+                      <a:noFill/>
+                    </a:lnT>
+                    <a:lnB w="12700" cmpd="sng">
+                      <a:noFill/>
+                    </a:lnB>
+                    <a:lnTlToBr w="12700" cmpd="sng">
+                      <a:noFill/>
+                      <a:prstDash val="solid"/>
+                    </a:lnTlToBr>
+                    <a:lnBlToTr w="12700" cmpd="sng">
+                      <a:noFill/>
+                      <a:prstDash val="solid"/>
+                    </a:lnBlToTr>
+                    <a:solidFill>
+                      <a:schemeClr val="accent6">
+                        <a:lumMod val="20000"/>
+                        <a:lumOff val="80000"/>
+                      </a:schemeClr>
+                    </a:solidFill>
+                  </a:tcPr>
+                </a:tc>
+                <a:tc>
+                  <a:txBody>
+                    <a:bodyPr/>
+                    <a:lstStyle/>
+                    <a:p>
+                      <a:pPr algn="r"/>
+                      <a:r>
+                        <a:rPr lang="en-US" dirty="0"/>
+                        <a:t>0.0149</a:t>
+                      </a:r>
+                    </a:p>
+                  </a:txBody>
+                  <a:tcPr>
+                    <a:lnL w="12700" cmpd="sng">
+                      <a:noFill/>
+                    </a:lnL>
+                    <a:lnR w="12700" cmpd="sng">
+                      <a:noFill/>
+                    </a:lnR>
+                    <a:lnT w="12700" cmpd="sng">
+                      <a:noFill/>
+                    </a:lnT>
+                    <a:lnB w="12700" cmpd="sng">
+                      <a:noFill/>
+                    </a:lnB>
+                    <a:lnTlToBr w="12700" cmpd="sng">
+                      <a:noFill/>
+                      <a:prstDash val="solid"/>
+                    </a:lnTlToBr>
+                    <a:lnBlToTr w="12700" cmpd="sng">
+                      <a:noFill/>
+                      <a:prstDash val="solid"/>
+                    </a:lnBlToTr>
+                    <a:solidFill>
+                      <a:schemeClr val="accent6">
+                        <a:lumMod val="20000"/>
+                        <a:lumOff val="80000"/>
+                      </a:schemeClr>
+                    </a:solidFill>
+                  </a:tcPr>
+                </a:tc>
+                <a:tc>
+                  <a:txBody>
+                    <a:bodyPr/>
+                    <a:lstStyle/>
+                    <a:p>
+                      <a:pPr algn="r"/>
+                      <a:r>
+                        <a:rPr lang="en-US" dirty="0"/>
+                        <a:t>0.0125</a:t>
+                      </a:r>
+                    </a:p>
+                  </a:txBody>
+                  <a:tcPr>
+                    <a:lnL w="12700" cmpd="sng">
+                      <a:noFill/>
+                    </a:lnL>
+                    <a:lnR w="12700" cmpd="sng">
+                      <a:noFill/>
+                    </a:lnR>
+                    <a:lnT w="12700" cmpd="sng">
+                      <a:noFill/>
+                    </a:lnT>
+                    <a:lnB w="12700" cmpd="sng">
+                      <a:noFill/>
+                    </a:lnB>
+                    <a:lnTlToBr w="12700" cmpd="sng">
+                      <a:noFill/>
+                      <a:prstDash val="solid"/>
+                    </a:lnTlToBr>
+                    <a:lnBlToTr w="12700" cmpd="sng">
+                      <a:noFill/>
+                      <a:prstDash val="solid"/>
+                    </a:lnBlToTr>
+                    <a:solidFill>
+                      <a:schemeClr val="accent6">
+                        <a:lumMod val="20000"/>
+                        <a:lumOff val="80000"/>
+                      </a:schemeClr>
+                    </a:solidFill>
+                  </a:tcPr>
+                </a:tc>
+                <a:tc>
+                  <a:txBody>
+                    <a:bodyPr/>
+                    <a:lstStyle/>
+                    <a:p>
+                      <a:pPr algn="r"/>
+                      <a:r>
+                        <a:rPr lang="en-US" dirty="0"/>
+                        <a:t>0.0126</a:t>
+                      </a:r>
+                    </a:p>
+                  </a:txBody>
+                  <a:tcPr>
+                    <a:lnL w="12700" cmpd="sng">
+                      <a:noFill/>
+                    </a:lnL>
+                    <a:lnR w="12700" cmpd="sng">
+                      <a:noFill/>
+                    </a:lnR>
+                    <a:lnT w="12700" cmpd="sng">
+                      <a:noFill/>
+                    </a:lnT>
+                    <a:lnB w="12700" cmpd="sng">
+                      <a:noFill/>
+                    </a:lnB>
+                    <a:lnTlToBr w="12700" cmpd="sng">
+                      <a:noFill/>
+                      <a:prstDash val="solid"/>
+                    </a:lnTlToBr>
+                    <a:lnBlToTr w="12700" cmpd="sng">
+                      <a:noFill/>
+                      <a:prstDash val="solid"/>
+                    </a:lnBlToTr>
+                    <a:solidFill>
+                      <a:schemeClr val="accent6">
+                        <a:lumMod val="20000"/>
+                        <a:lumOff val="80000"/>
+                      </a:schemeClr>
+                    </a:solidFill>
+                  </a:tcPr>
+                </a:tc>
+                <a:tc>
+                  <a:txBody>
+                    <a:bodyPr/>
+                    <a:lstStyle/>
+                    <a:p>
+                      <a:pPr algn="r"/>
+                      <a:r>
+                        <a:rPr lang="en-US" dirty="0"/>
+                        <a:t>0.0185</a:t>
+                      </a:r>
+                    </a:p>
+                  </a:txBody>
+                  <a:tcPr>
+                    <a:lnL w="12700" cmpd="sng">
+                      <a:noFill/>
+                    </a:lnL>
+                    <a:lnR w="12700" cmpd="sng">
+                      <a:noFill/>
+                    </a:lnR>
+                    <a:lnT w="12700" cmpd="sng">
+                      <a:noFill/>
+                    </a:lnT>
+                    <a:lnB w="12700" cmpd="sng">
+                      <a:noFill/>
+                    </a:lnB>
+                    <a:lnTlToBr w="12700" cmpd="sng">
+                      <a:noFill/>
+                      <a:prstDash val="solid"/>
+                    </a:lnTlToBr>
+                    <a:lnBlToTr w="12700" cmpd="sng">
+                      <a:noFill/>
+                      <a:prstDash val="solid"/>
+                    </a:lnBlToTr>
+                    <a:solidFill>
+                      <a:schemeClr val="accent6">
+                        <a:lumMod val="20000"/>
+                        <a:lumOff val="80000"/>
+                      </a:schemeClr>
+                    </a:solidFill>
+                  </a:tcPr>
+                </a:tc>
+                <a:extLst>
+                  <a:ext uri="{0D108BD9-81ED-4DB2-BD59-A6C34878D82A}">
+                    <a16:rowId xmlns:a16="http://schemas.microsoft.com/office/drawing/2014/main" val="4022879242"/>
+                  </a:ext>
+                </a:extLst>
+              </a:tr>
+            </a:tbl>
+          </a:graphicData>
+        </a:graphic>
+      </p:graphicFrame>
+      <p:sp>
+        <p:nvSpPr>
+          <p:cNvPr id="7" name="Title 1">
+            <a:extLst>
+              <a:ext uri="{FF2B5EF4-FFF2-40B4-BE49-F238E27FC236}">
+                <a16:creationId xmlns:a16="http://schemas.microsoft.com/office/drawing/2014/main" id="{E0551791-D1AA-4751-896E-03111D7D698A}"/>
+              </a:ext>
+            </a:extLst>
+          </p:cNvPr>
+          <p:cNvSpPr txBox="1">
+            <a:spLocks/>
+          </p:cNvSpPr>
+          <p:nvPr/>
+        </p:nvSpPr>
+        <p:spPr>
+          <a:xfrm>
+            <a:off x="1135136" y="195426"/>
+            <a:ext cx="9603275" cy="1049235"/>
+          </a:xfrm>
+          <a:prstGeom prst="rect">
+            <a:avLst/>
+          </a:prstGeom>
+        </p:spPr>
+        <p:txBody>
+          <a:bodyPr/>
+          <a:lstStyle>
+            <a:lvl1pPr algn="l" defTabSz="914400" rtl="0" eaLnBrk="1" latinLnBrk="0" hangingPunct="1">
+              <a:lnSpc>
+                <a:spcPct val="90000"/>
+              </a:lnSpc>
+              <a:spcBef>
+                <a:spcPct val="0"/>
+              </a:spcBef>
+              <a:buNone/>
+              <a:defRPr sz="3200" b="0" i="0" kern="1200" cap="all">
+                <a:solidFill>
+                  <a:schemeClr val="tx1"/>
+                </a:solidFill>
+                <a:effectLst/>
+                <a:latin typeface="+mj-lt"/>
+                <a:ea typeface="+mj-ea"/>
+                <a:cs typeface="+mj-cs"/>
+              </a:defRPr>
+            </a:lvl1pPr>
+          </a:lstStyle>
+          <a:p>
+            <a:pPr algn="ctr"/>
+            <a:r>
+              <a:rPr lang="en-US" dirty="0"/>
+              <a:t>LSTM RNN: Loss function comparison</a:t>
+            </a:r>
+          </a:p>
+        </p:txBody>
+      </p:sp>
+      <p:sp>
+        <p:nvSpPr>
+          <p:cNvPr id="8" name="TextBox 7">
+            <a:extLst>
+              <a:ext uri="{FF2B5EF4-FFF2-40B4-BE49-F238E27FC236}">
+                <a16:creationId xmlns:a16="http://schemas.microsoft.com/office/drawing/2014/main" id="{282973B7-6A42-42EB-B404-CCB92322711A}"/>
+              </a:ext>
+            </a:extLst>
+          </p:cNvPr>
+          <p:cNvSpPr txBox="1"/>
+          <p:nvPr/>
+        </p:nvSpPr>
+        <p:spPr>
+          <a:xfrm>
+            <a:off x="4270310" y="1318951"/>
+            <a:ext cx="3651379" cy="461665"/>
+          </a:xfrm>
+          <a:prstGeom prst="rect">
+            <a:avLst/>
+          </a:prstGeom>
+          <a:noFill/>
+        </p:spPr>
+        <p:txBody>
+          <a:bodyPr wrap="square" rtlCol="0">
+            <a:spAutoFit/>
+          </a:bodyPr>
+          <a:lstStyle/>
+          <a:p>
+            <a:pPr algn="ctr"/>
+            <a:r>
+              <a:rPr lang="en-US" sz="2400" dirty="0"/>
+              <a:t>Mean squared error</a:t>
+            </a:r>
+          </a:p>
+        </p:txBody>
+      </p:sp>
+      <p:sp>
+        <p:nvSpPr>
+          <p:cNvPr id="9" name="TextBox 8">
+            <a:extLst>
+              <a:ext uri="{FF2B5EF4-FFF2-40B4-BE49-F238E27FC236}">
+                <a16:creationId xmlns:a16="http://schemas.microsoft.com/office/drawing/2014/main" id="{38783186-2946-44C1-84B1-612C01728AF7}"/>
+              </a:ext>
+            </a:extLst>
+          </p:cNvPr>
+          <p:cNvSpPr txBox="1"/>
+          <p:nvPr/>
+        </p:nvSpPr>
+        <p:spPr>
+          <a:xfrm>
+            <a:off x="4270310" y="3429000"/>
+            <a:ext cx="3651379" cy="461665"/>
+          </a:xfrm>
+          <a:prstGeom prst="rect">
+            <a:avLst/>
+          </a:prstGeom>
+          <a:noFill/>
+        </p:spPr>
+        <p:txBody>
+          <a:bodyPr wrap="square" rtlCol="0">
+            <a:spAutoFit/>
+          </a:bodyPr>
+          <a:lstStyle/>
+          <a:p>
+            <a:pPr algn="ctr"/>
+            <a:r>
+              <a:rPr lang="en-US" sz="2400" dirty="0"/>
+              <a:t>Log </a:t>
+            </a:r>
+            <a:r>
+              <a:rPr lang="en-US" sz="2400" dirty="0" err="1"/>
+              <a:t>Cosh</a:t>
+            </a:r>
+            <a:endParaRPr lang="en-US" sz="2400" dirty="0"/>
+          </a:p>
+        </p:txBody>
+      </p:sp>
+    </p:spTree>
+    <p:extLst>
+      <p:ext uri="{BB962C8B-B14F-4D97-AF65-F5344CB8AC3E}">
+        <p14:creationId xmlns:p14="http://schemas.microsoft.com/office/powerpoint/2010/main" val="3508648954"/>
+      </p:ext>
+    </p:extLst>
+  </p:cSld>
+  <p:clrMapOvr>
+    <a:masterClrMapping/>
+  </p:clrMapOvr>
+</p:sld>
+</file>
+
+<file path=ppt/slides/slide12.xml><?xml version="1.0" encoding="utf-8"?>
+<p:sld xmlns:a="http://schemas.openxmlformats.org/drawingml/2006/main" xmlns:r="http://schemas.openxmlformats.org/officeDocument/2006/relationships" xmlns:p="http://schemas.openxmlformats.org/presentationml/2006/main">
+  <p:cSld>
+    <p:spTree>
+      <p:nvGrpSpPr>
+        <p:cNvPr id="1" name=""/>
+        <p:cNvGrpSpPr/>
+        <p:nvPr/>
+      </p:nvGrpSpPr>
+      <p:grpSpPr>
+        <a:xfrm>
+          <a:off x="0" y="0"/>
+          <a:ext cx="0" cy="0"/>
+          <a:chOff x="0" y="0"/>
+          <a:chExt cx="0" cy="0"/>
+        </a:xfrm>
+      </p:grpSpPr>
+      <p:sp>
+        <p:nvSpPr>
+          <p:cNvPr id="2" name="Title 1">
+            <a:extLst>
+              <a:ext uri="{FF2B5EF4-FFF2-40B4-BE49-F238E27FC236}">
                 <a16:creationId xmlns:a16="http://schemas.microsoft.com/office/drawing/2014/main" id="{03A63FD0-A4DE-E94B-AE23-D109C8DB0622}"/>
               </a:ext>
             </a:extLst>
@@ -3904,7 +7944,7 @@
 </p:sld>
 </file>
 
-<file path=ppt/slides/slide11.xml><?xml version="1.0" encoding="utf-8"?>
+<file path=ppt/slides/slide13.xml><?xml version="1.0" encoding="utf-8"?>
 <p:sld xmlns:a="http://schemas.openxmlformats.org/drawingml/2006/main" xmlns:r="http://schemas.openxmlformats.org/officeDocument/2006/relationships" xmlns:p="http://schemas.openxmlformats.org/presentationml/2006/main">
   <p:cSld>
     <p:spTree>
@@ -4839,161 +8879,11 @@
             <a:pPr algn="ctr"/>
             <a:r>
               <a:rPr lang="en-US" dirty="0"/>
-              <a:t>Results: Percent change for next 5 days</a:t>
+              <a:t>Results: Percent change</a:t>
             </a:r>
           </a:p>
         </p:txBody>
       </p:sp>
-      <p:pic>
-        <p:nvPicPr>
-          <p:cNvPr id="4" name="Picture 3">
-            <a:extLst>
-              <a:ext uri="{FF2B5EF4-FFF2-40B4-BE49-F238E27FC236}">
-                <a16:creationId xmlns:a16="http://schemas.microsoft.com/office/drawing/2014/main" id="{A9D5B7B8-0A96-A140-B4AF-DC896514C48E}"/>
-              </a:ext>
-            </a:extLst>
-          </p:cNvPr>
-          <p:cNvPicPr>
-            <a:picLocks noChangeAspect="1"/>
-          </p:cNvPicPr>
-          <p:nvPr/>
-        </p:nvPicPr>
-        <p:blipFill>
-          <a:blip r:embed="rId2"/>
-          <a:stretch>
-            <a:fillRect/>
-          </a:stretch>
-        </p:blipFill>
-        <p:spPr>
-          <a:xfrm>
-            <a:off x="210250" y="2019057"/>
-            <a:ext cx="3874147" cy="2070772"/>
-          </a:xfrm>
-          <a:prstGeom prst="rect">
-            <a:avLst/>
-          </a:prstGeom>
-        </p:spPr>
-      </p:pic>
-      <p:pic>
-        <p:nvPicPr>
-          <p:cNvPr id="5" name="Picture 4">
-            <a:extLst>
-              <a:ext uri="{FF2B5EF4-FFF2-40B4-BE49-F238E27FC236}">
-                <a16:creationId xmlns:a16="http://schemas.microsoft.com/office/drawing/2014/main" id="{9AC86E8F-6A02-CA48-A509-B86C0E89E558}"/>
-              </a:ext>
-            </a:extLst>
-          </p:cNvPr>
-          <p:cNvPicPr>
-            <a:picLocks noChangeAspect="1"/>
-          </p:cNvPicPr>
-          <p:nvPr/>
-        </p:nvPicPr>
-        <p:blipFill>
-          <a:blip r:embed="rId3"/>
-          <a:stretch>
-            <a:fillRect/>
-          </a:stretch>
-        </p:blipFill>
-        <p:spPr>
-          <a:xfrm>
-            <a:off x="210250" y="4148012"/>
-            <a:ext cx="3874147" cy="2070772"/>
-          </a:xfrm>
-          <a:prstGeom prst="rect">
-            <a:avLst/>
-          </a:prstGeom>
-        </p:spPr>
-      </p:pic>
-      <p:pic>
-        <p:nvPicPr>
-          <p:cNvPr id="6" name="Picture 5">
-            <a:extLst>
-              <a:ext uri="{FF2B5EF4-FFF2-40B4-BE49-F238E27FC236}">
-                <a16:creationId xmlns:a16="http://schemas.microsoft.com/office/drawing/2014/main" id="{4FBEF0B3-3B06-8346-9C54-837E99E0E926}"/>
-              </a:ext>
-            </a:extLst>
-          </p:cNvPr>
-          <p:cNvPicPr>
-            <a:picLocks noChangeAspect="1"/>
-          </p:cNvPicPr>
-          <p:nvPr/>
-        </p:nvPicPr>
-        <p:blipFill>
-          <a:blip r:embed="rId4"/>
-          <a:stretch>
-            <a:fillRect/>
-          </a:stretch>
-        </p:blipFill>
-        <p:spPr>
-          <a:xfrm>
-            <a:off x="8176957" y="1973126"/>
-            <a:ext cx="3716942" cy="1986744"/>
-          </a:xfrm>
-          <a:prstGeom prst="rect">
-            <a:avLst/>
-          </a:prstGeom>
-        </p:spPr>
-      </p:pic>
-      <p:pic>
-        <p:nvPicPr>
-          <p:cNvPr id="7" name="Picture 6">
-            <a:extLst>
-              <a:ext uri="{FF2B5EF4-FFF2-40B4-BE49-F238E27FC236}">
-                <a16:creationId xmlns:a16="http://schemas.microsoft.com/office/drawing/2014/main" id="{C1D2F22E-2FFE-F440-8DB8-662471A539A4}"/>
-              </a:ext>
-            </a:extLst>
-          </p:cNvPr>
-          <p:cNvPicPr>
-            <a:picLocks noChangeAspect="1"/>
-          </p:cNvPicPr>
-          <p:nvPr/>
-        </p:nvPicPr>
-        <p:blipFill>
-          <a:blip r:embed="rId5"/>
-          <a:stretch>
-            <a:fillRect/>
-          </a:stretch>
-        </p:blipFill>
-        <p:spPr>
-          <a:xfrm>
-            <a:off x="4143212" y="2868293"/>
-            <a:ext cx="4084397" cy="2183153"/>
-          </a:xfrm>
-          <a:prstGeom prst="rect">
-            <a:avLst/>
-          </a:prstGeom>
-        </p:spPr>
-      </p:pic>
-      <p:pic>
-        <p:nvPicPr>
-          <p:cNvPr id="8" name="Picture 7">
-            <a:extLst>
-              <a:ext uri="{FF2B5EF4-FFF2-40B4-BE49-F238E27FC236}">
-                <a16:creationId xmlns:a16="http://schemas.microsoft.com/office/drawing/2014/main" id="{BC2478AA-7193-734D-AE11-295BADA2E76B}"/>
-              </a:ext>
-            </a:extLst>
-          </p:cNvPr>
-          <p:cNvPicPr>
-            <a:picLocks noChangeAspect="1"/>
-          </p:cNvPicPr>
-          <p:nvPr/>
-        </p:nvPicPr>
-        <p:blipFill>
-          <a:blip r:embed="rId6"/>
-          <a:stretch>
-            <a:fillRect/>
-          </a:stretch>
-        </p:blipFill>
-        <p:spPr>
-          <a:xfrm>
-            <a:off x="8176957" y="4209201"/>
-            <a:ext cx="3716942" cy="1986744"/>
-          </a:xfrm>
-          <a:prstGeom prst="rect">
-            <a:avLst/>
-          </a:prstGeom>
-        </p:spPr>
-      </p:pic>
       <p:sp>
         <p:nvSpPr>
           <p:cNvPr id="11" name="TextBox 10">
@@ -5024,11 +8914,71 @@
           <a:p>
             <a:r>
               <a:rPr lang="en-US" i="1" dirty="0"/>
-              <a:t>LSTM Model</a:t>
+              <a:t>LSTM Model: MSE loss function</a:t>
             </a:r>
           </a:p>
         </p:txBody>
       </p:sp>
+      <p:pic>
+        <p:nvPicPr>
+          <p:cNvPr id="9" name="Picture 8" descr="Chart, line chart&#10;&#10;Description automatically generated">
+            <a:extLst>
+              <a:ext uri="{FF2B5EF4-FFF2-40B4-BE49-F238E27FC236}">
+                <a16:creationId xmlns:a16="http://schemas.microsoft.com/office/drawing/2014/main" id="{AA560B83-DBBA-4A18-A4C0-48DD4B78AAA8}"/>
+              </a:ext>
+            </a:extLst>
+          </p:cNvPr>
+          <p:cNvPicPr>
+            <a:picLocks noChangeAspect="1"/>
+          </p:cNvPicPr>
+          <p:nvPr/>
+        </p:nvPicPr>
+        <p:blipFill>
+          <a:blip r:embed="rId2"/>
+          <a:stretch>
+            <a:fillRect/>
+          </a:stretch>
+        </p:blipFill>
+        <p:spPr>
+          <a:xfrm>
+            <a:off x="5971591" y="1853754"/>
+            <a:ext cx="5714866" cy="3047929"/>
+          </a:xfrm>
+          <a:prstGeom prst="rect">
+            <a:avLst/>
+          </a:prstGeom>
+        </p:spPr>
+      </p:pic>
+      <p:pic>
+        <p:nvPicPr>
+          <p:cNvPr id="12" name="Picture 11" descr="Chart, line chart&#10;&#10;Description automatically generated">
+            <a:extLst>
+              <a:ext uri="{FF2B5EF4-FFF2-40B4-BE49-F238E27FC236}">
+                <a16:creationId xmlns:a16="http://schemas.microsoft.com/office/drawing/2014/main" id="{6527E081-0779-4B82-8222-D338B16B40BD}"/>
+              </a:ext>
+            </a:extLst>
+          </p:cNvPr>
+          <p:cNvPicPr>
+            <a:picLocks noChangeAspect="1"/>
+          </p:cNvPicPr>
+          <p:nvPr/>
+        </p:nvPicPr>
+        <p:blipFill>
+          <a:blip r:embed="rId3"/>
+          <a:stretch>
+            <a:fillRect/>
+          </a:stretch>
+        </p:blipFill>
+        <p:spPr>
+          <a:xfrm>
+            <a:off x="256725" y="1853755"/>
+            <a:ext cx="5714866" cy="3047928"/>
+          </a:xfrm>
+          <a:prstGeom prst="rect">
+            <a:avLst/>
+          </a:prstGeom>
+        </p:spPr>
+      </p:pic>
     </p:spTree>
     <p:extLst>
       <p:ext uri="{BB962C8B-B14F-4D97-AF65-F5344CB8AC3E}">
@@ -5108,40 +9058,11 @@
             <a:pPr algn="ctr"/>
             <a:r>
               <a:rPr lang="en-US" dirty="0"/>
-              <a:t>Results: Close Price for next 5 days</a:t>
+              <a:t>Results: Close Price</a:t>
             </a:r>
           </a:p>
         </p:txBody>
       </p:sp>
-      <p:pic>
-        <p:nvPicPr>
-          <p:cNvPr id="9" name="Content Placeholder 8">
-            <a:extLst>
-              <a:ext uri="{FF2B5EF4-FFF2-40B4-BE49-F238E27FC236}">
-                <a16:creationId xmlns:a16="http://schemas.microsoft.com/office/drawing/2014/main" id="{99EA359B-A72A-5C4D-AB89-7D5D2DFEFF91}"/>
-              </a:ext>
-            </a:extLst>
-          </p:cNvPr>
-          <p:cNvPicPr>
-            <a:picLocks noGrp="1" noChangeAspect="1"/>
-          </p:cNvPicPr>
-          <p:nvPr>
-            <p:ph idx="1"/>
-          </p:nvPr>
-        </p:nvPicPr>
-        <p:blipFill>
-          <a:blip r:embed="rId2"/>
-          <a:stretch>
-            <a:fillRect/>
-          </a:stretch>
-        </p:blipFill>
-        <p:spPr>
-          <a:xfrm>
-            <a:off x="0" y="1942244"/>
-            <a:ext cx="3921061" cy="2059485"/>
-          </a:xfrm>
-        </p:spPr>
-      </p:pic>
       <p:sp>
         <p:nvSpPr>
           <p:cNvPr id="8" name="TextBox 7">
@@ -5172,17 +9093,47 @@
           <a:p>
             <a:r>
               <a:rPr lang="en-US" i="1" dirty="0"/>
-              <a:t>LSTM Model</a:t>
+              <a:t>LSTM Model: MSE loss function</a:t>
             </a:r>
           </a:p>
         </p:txBody>
       </p:sp>
       <p:pic>
         <p:nvPicPr>
-          <p:cNvPr id="10" name="Picture 9">
+          <p:cNvPr id="14" name="Picture 13" descr="Chart, line chart&#10;&#10;Description automatically generated">
             <a:extLst>
               <a:ext uri="{FF2B5EF4-FFF2-40B4-BE49-F238E27FC236}">
-                <a16:creationId xmlns:a16="http://schemas.microsoft.com/office/drawing/2014/main" id="{2EC5DA5C-CB25-7646-A98F-BAA2395382EC}"/>
+                <a16:creationId xmlns:a16="http://schemas.microsoft.com/office/drawing/2014/main" id="{3FB59DDA-8A3B-4474-9728-65A1A1E20169}"/>
+              </a:ext>
+            </a:extLst>
+          </p:cNvPr>
+          <p:cNvPicPr>
+            <a:picLocks noChangeAspect="1"/>
+          </p:cNvPicPr>
+          <p:nvPr/>
+        </p:nvPicPr>
+        <p:blipFill>
+          <a:blip r:embed="rId2"/>
+          <a:stretch>
+            <a:fillRect/>
+          </a:stretch>
+        </p:blipFill>
+        <p:spPr>
+          <a:xfrm>
+            <a:off x="6141003" y="1856792"/>
+            <a:ext cx="5836626" cy="3112867"/>
+          </a:xfrm>
+          <a:prstGeom prst="rect">
+            <a:avLst/>
+          </a:prstGeom>
+        </p:spPr>
+      </p:pic>
+      <p:pic>
+        <p:nvPicPr>
+          <p:cNvPr id="18" name="Picture 17" descr="Chart, line chart&#10;&#10;Description automatically generated">
+            <a:extLst>
+              <a:ext uri="{FF2B5EF4-FFF2-40B4-BE49-F238E27FC236}">
+                <a16:creationId xmlns:a16="http://schemas.microsoft.com/office/drawing/2014/main" id="{E2574665-F662-453A-BB43-9ABF72D1E63E}"/>
               </a:ext>
             </a:extLst>
           </p:cNvPr>
@@ -5199,98 +9150,8 @@
         </p:blipFill>
         <p:spPr>
           <a:xfrm>
-            <a:off x="0" y="4090219"/>
-            <a:ext cx="3921061" cy="2059485"/>
-          </a:xfrm>
-          <a:prstGeom prst="rect">
-            <a:avLst/>
-          </a:prstGeom>
-        </p:spPr>
-      </p:pic>
-      <p:pic>
-        <p:nvPicPr>
-          <p:cNvPr id="11" name="Picture 10">
-            <a:extLst>
-              <a:ext uri="{FF2B5EF4-FFF2-40B4-BE49-F238E27FC236}">
-                <a16:creationId xmlns:a16="http://schemas.microsoft.com/office/drawing/2014/main" id="{EE6E5EF3-A6DB-B346-B105-9AA68EF50AE5}"/>
-              </a:ext>
-            </a:extLst>
-          </p:cNvPr>
-          <p:cNvPicPr>
-            <a:picLocks noChangeAspect="1"/>
-          </p:cNvPicPr>
-          <p:nvPr/>
-        </p:nvPicPr>
-        <p:blipFill>
-          <a:blip r:embed="rId4"/>
-          <a:stretch>
-            <a:fillRect/>
-          </a:stretch>
-        </p:blipFill>
-        <p:spPr>
-          <a:xfrm>
-            <a:off x="8242354" y="1946679"/>
-            <a:ext cx="3949645" cy="2055050"/>
-          </a:xfrm>
-          <a:prstGeom prst="rect">
-            <a:avLst/>
-          </a:prstGeom>
-        </p:spPr>
-      </p:pic>
-      <p:pic>
-        <p:nvPicPr>
-          <p:cNvPr id="12" name="Picture 11">
-            <a:extLst>
-              <a:ext uri="{FF2B5EF4-FFF2-40B4-BE49-F238E27FC236}">
-                <a16:creationId xmlns:a16="http://schemas.microsoft.com/office/drawing/2014/main" id="{E0440962-E297-9F41-BF26-BAF4F52024BD}"/>
-              </a:ext>
-            </a:extLst>
-          </p:cNvPr>
-          <p:cNvPicPr>
-            <a:picLocks noChangeAspect="1"/>
-          </p:cNvPicPr>
-          <p:nvPr/>
-        </p:nvPicPr>
-        <p:blipFill>
-          <a:blip r:embed="rId5"/>
-          <a:stretch>
-            <a:fillRect/>
-          </a:stretch>
-        </p:blipFill>
-        <p:spPr>
-          <a:xfrm>
-            <a:off x="4029993" y="2936077"/>
-            <a:ext cx="4132014" cy="2170285"/>
-          </a:xfrm>
-          <a:prstGeom prst="rect">
-            <a:avLst/>
-          </a:prstGeom>
-        </p:spPr>
-      </p:pic>
-      <p:pic>
-        <p:nvPicPr>
-          <p:cNvPr id="13" name="Picture 12">
-            <a:extLst>
-              <a:ext uri="{FF2B5EF4-FFF2-40B4-BE49-F238E27FC236}">
-                <a16:creationId xmlns:a16="http://schemas.microsoft.com/office/drawing/2014/main" id="{9AB510D6-9E30-BB40-8023-C5DD18A89BFE}"/>
-              </a:ext>
-            </a:extLst>
-          </p:cNvPr>
-          <p:cNvPicPr>
-            <a:picLocks noChangeAspect="1"/>
-          </p:cNvPicPr>
-          <p:nvPr/>
-        </p:nvPicPr>
-        <p:blipFill>
-          <a:blip r:embed="rId6"/>
-          <a:stretch>
-            <a:fillRect/>
-          </a:stretch>
-        </p:blipFill>
-        <p:spPr>
-          <a:xfrm>
-            <a:off x="8270937" y="4076619"/>
-            <a:ext cx="3921062" cy="2059485"/>
+            <a:off x="298679" y="1856793"/>
+            <a:ext cx="5842324" cy="3115906"/>
           </a:xfrm>
           <a:prstGeom prst="rect">
             <a:avLst/>
@@ -5311,6 +9172,210 @@
 </file>
 
 <file path=ppt/slides/slide8.xml><?xml version="1.0" encoding="utf-8"?>
+<p:sld xmlns:a="http://schemas.openxmlformats.org/drawingml/2006/main" xmlns:r="http://schemas.openxmlformats.org/officeDocument/2006/relationships" xmlns:p="http://schemas.openxmlformats.org/presentationml/2006/main">
+  <p:cSld>
+    <p:spTree>
+      <p:nvGrpSpPr>
+        <p:cNvPr id="1" name=""/>
+        <p:cNvGrpSpPr/>
+        <p:nvPr/>
+      </p:nvGrpSpPr>
+      <p:grpSpPr>
+        <a:xfrm>
+          <a:off x="0" y="0"/>
+          <a:ext cx="0" cy="0"/>
+          <a:chOff x="0" y="0"/>
+          <a:chExt cx="0" cy="0"/>
+        </a:xfrm>
+      </p:grpSpPr>
+      <p:pic>
+        <p:nvPicPr>
+          <p:cNvPr id="9" name="Content Placeholder 8" descr="Chart, line chart&#10;&#10;Description automatically generated">
+            <a:extLst>
+              <a:ext uri="{FF2B5EF4-FFF2-40B4-BE49-F238E27FC236}">
+                <a16:creationId xmlns:a16="http://schemas.microsoft.com/office/drawing/2014/main" id="{FC97F438-FA5E-4D02-8FC3-3A8EA911AB9D}"/>
+              </a:ext>
+            </a:extLst>
+          </p:cNvPr>
+          <p:cNvPicPr>
+            <a:picLocks noGrp="1" noChangeAspect="1"/>
+          </p:cNvPicPr>
+          <p:nvPr>
+            <p:ph idx="1"/>
+          </p:nvPr>
+        </p:nvPicPr>
+        <p:blipFill>
+          <a:blip r:embed="rId2"/>
+          <a:stretch>
+            <a:fillRect/>
+          </a:stretch>
+        </p:blipFill>
+        <p:spPr>
+          <a:xfrm>
+            <a:off x="213011" y="1866652"/>
+            <a:ext cx="5882990" cy="3137594"/>
+          </a:xfrm>
+        </p:spPr>
+      </p:pic>
+      <p:pic>
+        <p:nvPicPr>
+          <p:cNvPr id="11" name="Picture 10" descr="Chart, line chart&#10;&#10;Description automatically generated">
+            <a:extLst>
+              <a:ext uri="{FF2B5EF4-FFF2-40B4-BE49-F238E27FC236}">
+                <a16:creationId xmlns:a16="http://schemas.microsoft.com/office/drawing/2014/main" id="{BCDBDBAD-F053-46A1-94BF-6D33F99E55A6}"/>
+              </a:ext>
+            </a:extLst>
+          </p:cNvPr>
+          <p:cNvPicPr>
+            <a:picLocks noChangeAspect="1"/>
+          </p:cNvPicPr>
+          <p:nvPr/>
+        </p:nvPicPr>
+        <p:blipFill>
+          <a:blip r:embed="rId3"/>
+          <a:stretch>
+            <a:fillRect/>
+          </a:stretch>
+        </p:blipFill>
+        <p:spPr>
+          <a:xfrm>
+            <a:off x="6096000" y="1866652"/>
+            <a:ext cx="5882990" cy="3137595"/>
+          </a:xfrm>
+          <a:prstGeom prst="rect">
+            <a:avLst/>
+          </a:prstGeom>
+        </p:spPr>
+      </p:pic>
+      <p:sp>
+        <p:nvSpPr>
+          <p:cNvPr id="12" name="Title 1">
+            <a:extLst>
+              <a:ext uri="{FF2B5EF4-FFF2-40B4-BE49-F238E27FC236}">
+                <a16:creationId xmlns:a16="http://schemas.microsoft.com/office/drawing/2014/main" id="{CBE0FD1D-65C6-4DB5-9A33-8143E3477C6B}"/>
+              </a:ext>
+            </a:extLst>
+          </p:cNvPr>
+          <p:cNvSpPr txBox="1">
+            <a:spLocks/>
+          </p:cNvSpPr>
+          <p:nvPr/>
+        </p:nvSpPr>
+        <p:spPr>
+          <a:xfrm>
+            <a:off x="7015735" y="1329136"/>
+            <a:ext cx="4666192" cy="548420"/>
+          </a:xfrm>
+          <a:prstGeom prst="rect">
+            <a:avLst/>
+          </a:prstGeom>
+        </p:spPr>
+        <p:txBody>
+          <a:bodyPr vert="horz" lIns="91440" tIns="45720" rIns="91440" bIns="45720" rtlCol="0" anchor="t">
+            <a:normAutofit/>
+          </a:bodyPr>
+          <a:lstStyle>
+            <a:lvl1pPr algn="l" defTabSz="914400" rtl="0" eaLnBrk="1" latinLnBrk="0" hangingPunct="1">
+              <a:lnSpc>
+                <a:spcPct val="90000"/>
+              </a:lnSpc>
+              <a:spcBef>
+                <a:spcPct val="0"/>
+              </a:spcBef>
+              <a:buNone/>
+              <a:defRPr sz="3200" b="0" i="0" kern="1200" cap="all">
+                <a:solidFill>
+                  <a:schemeClr val="tx1"/>
+                </a:solidFill>
+                <a:effectLst/>
+                <a:latin typeface="+mj-lt"/>
+                <a:ea typeface="+mj-ea"/>
+                <a:cs typeface="+mj-cs"/>
+              </a:defRPr>
+            </a:lvl1pPr>
+          </a:lstStyle>
+          <a:p>
+            <a:r>
+              <a:rPr lang="en-US" dirty="0"/>
+              <a:t>Mean squared error</a:t>
+            </a:r>
+          </a:p>
+        </p:txBody>
+      </p:sp>
+      <p:sp>
+        <p:nvSpPr>
+          <p:cNvPr id="13" name="Title 1">
+            <a:extLst>
+              <a:ext uri="{FF2B5EF4-FFF2-40B4-BE49-F238E27FC236}">
+                <a16:creationId xmlns:a16="http://schemas.microsoft.com/office/drawing/2014/main" id="{DE72EF24-D342-418F-AC01-CBF98B0CDFF7}"/>
+              </a:ext>
+            </a:extLst>
+          </p:cNvPr>
+          <p:cNvSpPr txBox="1">
+            <a:spLocks/>
+          </p:cNvSpPr>
+          <p:nvPr/>
+        </p:nvSpPr>
+        <p:spPr>
+          <a:xfrm>
+            <a:off x="2038207" y="1334349"/>
+            <a:ext cx="4666192" cy="548420"/>
+          </a:xfrm>
+          <a:prstGeom prst="rect">
+            <a:avLst/>
+          </a:prstGeom>
+        </p:spPr>
+        <p:txBody>
+          <a:bodyPr vert="horz" lIns="91440" tIns="45720" rIns="91440" bIns="45720" rtlCol="0" anchor="t">
+            <a:normAutofit/>
+          </a:bodyPr>
+          <a:lstStyle>
+            <a:lvl1pPr algn="l" defTabSz="914400" rtl="0" eaLnBrk="1" latinLnBrk="0" hangingPunct="1">
+              <a:lnSpc>
+                <a:spcPct val="90000"/>
+              </a:lnSpc>
+              <a:spcBef>
+                <a:spcPct val="0"/>
+              </a:spcBef>
+              <a:buNone/>
+              <a:defRPr sz="3200" b="0" i="0" kern="1200" cap="all">
+                <a:solidFill>
+                  <a:schemeClr val="tx1"/>
+                </a:solidFill>
+                <a:effectLst/>
+                <a:latin typeface="+mj-lt"/>
+                <a:ea typeface="+mj-ea"/>
+                <a:cs typeface="+mj-cs"/>
+              </a:defRPr>
+            </a:lvl1pPr>
+          </a:lstStyle>
+          <a:p>
+            <a:r>
+              <a:rPr lang="en-US" dirty="0"/>
+              <a:t>Log </a:t>
+            </a:r>
+            <a:r>
+              <a:rPr lang="en-US" dirty="0" err="1"/>
+              <a:t>cosh</a:t>
+            </a:r>
+            <a:endParaRPr lang="en-US" dirty="0"/>
+          </a:p>
+        </p:txBody>
+      </p:sp>
+    </p:spTree>
+    <p:extLst>
+      <p:ext uri="{BB962C8B-B14F-4D97-AF65-F5344CB8AC3E}">
+        <p14:creationId xmlns:p14="http://schemas.microsoft.com/office/powerpoint/2010/main" val="4257853281"/>
+      </p:ext>
+    </p:extLst>
+  </p:cSld>
+  <p:clrMapOvr>
+    <a:masterClrMapping/>
+  </p:clrMapOvr>
+</p:sld>
+</file>
+
+<file path=ppt/slides/slide9.xml><?xml version="1.0" encoding="utf-8"?>
 <p:sld xmlns:a="http://schemas.openxmlformats.org/drawingml/2006/main" xmlns:r="http://schemas.openxmlformats.org/officeDocument/2006/relationships" xmlns:p="http://schemas.openxmlformats.org/presentationml/2006/main">
   <p:cSld>
     <p:spTree>
@@ -5710,96 +9775,6 @@
 </p:sld>
 </file>
 
-<file path=ppt/slides/slide9.xml><?xml version="1.0" encoding="utf-8"?>
-<p:sld xmlns:a="http://schemas.openxmlformats.org/drawingml/2006/main" xmlns:r="http://schemas.openxmlformats.org/officeDocument/2006/relationships" xmlns:p="http://schemas.openxmlformats.org/presentationml/2006/main">
-  <p:cSld>
-    <p:spTree>
-      <p:nvGrpSpPr>
-        <p:cNvPr id="1" name=""/>
-        <p:cNvGrpSpPr/>
-        <p:nvPr/>
-      </p:nvGrpSpPr>
-      <p:grpSpPr>
-        <a:xfrm>
-          <a:off x="0" y="0"/>
-          <a:ext cx="0" cy="0"/>
-          <a:chOff x="0" y="0"/>
-          <a:chExt cx="0" cy="0"/>
-        </a:xfrm>
-      </p:grpSpPr>
-      <p:sp>
-        <p:nvSpPr>
-          <p:cNvPr id="2" name="Title 1">
-            <a:extLst>
-              <a:ext uri="{FF2B5EF4-FFF2-40B4-BE49-F238E27FC236}">
-                <a16:creationId xmlns:a16="http://schemas.microsoft.com/office/drawing/2014/main" id="{F6CFABB5-1C6F-FE48-BF8D-7E6A2F71D722}"/>
-              </a:ext>
-            </a:extLst>
-          </p:cNvPr>
-          <p:cNvSpPr>
-            <a:spLocks noGrp="1"/>
-          </p:cNvSpPr>
-          <p:nvPr>
-            <p:ph type="title"/>
-          </p:nvPr>
-        </p:nvSpPr>
-        <p:spPr/>
-        <p:txBody>
-          <a:bodyPr/>
-          <a:lstStyle/>
-          <a:p>
-            <a:r>
-              <a:rPr lang="en-US" dirty="0"/>
-              <a:t>Evaluation Metrics</a:t>
-            </a:r>
-          </a:p>
-        </p:txBody>
-      </p:sp>
-      <p:sp>
-        <p:nvSpPr>
-          <p:cNvPr id="3" name="Content Placeholder 2">
-            <a:extLst>
-              <a:ext uri="{FF2B5EF4-FFF2-40B4-BE49-F238E27FC236}">
-                <a16:creationId xmlns:a16="http://schemas.microsoft.com/office/drawing/2014/main" id="{146FFB18-D5C8-CC45-85FD-0FE33A5E9A4A}"/>
-              </a:ext>
-            </a:extLst>
-          </p:cNvPr>
-          <p:cNvSpPr>
-            <a:spLocks noGrp="1"/>
-          </p:cNvSpPr>
-          <p:nvPr>
-            <p:ph idx="1"/>
-          </p:nvPr>
-        </p:nvSpPr>
-        <p:spPr/>
-        <p:txBody>
-          <a:bodyPr/>
-          <a:lstStyle/>
-          <a:p>
-            <a:r>
-              <a:rPr lang="en-US" dirty="0">
-                <a:solidFill>
-                  <a:srgbClr val="FF0000"/>
-                </a:solidFill>
-              </a:rPr>
-              <a:t>Stephen add here</a:t>
-            </a:r>
-          </a:p>
-        </p:txBody>
-      </p:sp>
-    </p:spTree>
-    <p:extLst>
-      <p:ext uri="{BB962C8B-B14F-4D97-AF65-F5344CB8AC3E}">
-        <p14:creationId xmlns:p14="http://schemas.microsoft.com/office/powerpoint/2010/main" val="2522039108"/>
-      </p:ext>
-    </p:extLst>
-  </p:cSld>
-  <p:clrMapOvr>
-    <a:masterClrMapping/>
-  </p:clrMapOvr>
-</p:sld>
-</file>
-
 <file path=ppt/theme/theme1.xml><?xml version="1.0" encoding="utf-8"?>
 <a:theme xmlns:a="http://schemas.openxmlformats.org/drawingml/2006/main" name="Gallery">
   <a:themeElements>
